--- a/md_plumed_mdtraj.pptx
+++ b/md_plumed_mdtraj.pptx
@@ -6,38 +6,40 @@
     <p:sldMasterId id="2147483740" r:id="rId2"/>
   </p:sldMasterIdLst>
   <p:notesMasterIdLst>
-    <p:notesMasterId r:id="rId29"/>
+    <p:notesMasterId r:id="rId31"/>
   </p:notesMasterIdLst>
   <p:handoutMasterIdLst>
-    <p:handoutMasterId r:id="rId30"/>
+    <p:handoutMasterId r:id="rId32"/>
   </p:handoutMasterIdLst>
   <p:sldIdLst>
     <p:sldId id="388" r:id="rId3"/>
-    <p:sldId id="334" r:id="rId4"/>
-    <p:sldId id="300" r:id="rId5"/>
-    <p:sldId id="319" r:id="rId6"/>
-    <p:sldId id="345" r:id="rId7"/>
-    <p:sldId id="303" r:id="rId8"/>
-    <p:sldId id="323" r:id="rId9"/>
-    <p:sldId id="337" r:id="rId10"/>
-    <p:sldId id="339" r:id="rId11"/>
-    <p:sldId id="313" r:id="rId12"/>
-    <p:sldId id="299" r:id="rId13"/>
-    <p:sldId id="310" r:id="rId14"/>
-    <p:sldId id="342" r:id="rId15"/>
-    <p:sldId id="312" r:id="rId16"/>
-    <p:sldId id="343" r:id="rId17"/>
-    <p:sldId id="311" r:id="rId18"/>
-    <p:sldId id="338" r:id="rId19"/>
-    <p:sldId id="340" r:id="rId20"/>
-    <p:sldId id="305" r:id="rId21"/>
-    <p:sldId id="341" r:id="rId22"/>
-    <p:sldId id="315" r:id="rId23"/>
-    <p:sldId id="304" r:id="rId24"/>
-    <p:sldId id="306" r:id="rId25"/>
-    <p:sldId id="307" r:id="rId26"/>
-    <p:sldId id="330" r:id="rId27"/>
-    <p:sldId id="389" r:id="rId28"/>
+    <p:sldId id="390" r:id="rId4"/>
+    <p:sldId id="334" r:id="rId5"/>
+    <p:sldId id="300" r:id="rId6"/>
+    <p:sldId id="319" r:id="rId7"/>
+    <p:sldId id="345" r:id="rId8"/>
+    <p:sldId id="303" r:id="rId9"/>
+    <p:sldId id="323" r:id="rId10"/>
+    <p:sldId id="337" r:id="rId11"/>
+    <p:sldId id="339" r:id="rId12"/>
+    <p:sldId id="313" r:id="rId13"/>
+    <p:sldId id="299" r:id="rId14"/>
+    <p:sldId id="310" r:id="rId15"/>
+    <p:sldId id="342" r:id="rId16"/>
+    <p:sldId id="312" r:id="rId17"/>
+    <p:sldId id="343" r:id="rId18"/>
+    <p:sldId id="311" r:id="rId19"/>
+    <p:sldId id="338" r:id="rId20"/>
+    <p:sldId id="340" r:id="rId21"/>
+    <p:sldId id="305" r:id="rId22"/>
+    <p:sldId id="341" r:id="rId23"/>
+    <p:sldId id="315" r:id="rId24"/>
+    <p:sldId id="304" r:id="rId25"/>
+    <p:sldId id="306" r:id="rId26"/>
+    <p:sldId id="307" r:id="rId27"/>
+    <p:sldId id="330" r:id="rId28"/>
+    <p:sldId id="391" r:id="rId29"/>
+    <p:sldId id="389" r:id="rId30"/>
   </p:sldIdLst>
   <p:sldSz cx="9144000" cy="6858000" type="screen4x3"/>
   <p:notesSz cx="6858000" cy="9144000"/>
@@ -1766,7 +1768,7 @@
                 <a:tabLst/>
                 <a:defRPr/>
               </a:pPr>
-              <a:t>3</a:t>
+              <a:t>4</a:t>
             </a:fld>
             <a:endParaRPr kumimoji="0" lang="it-IT" altLang="en-IT" sz="1200" b="0" i="0" u="none" strike="noStrike" kern="1200" cap="none" spc="0" normalizeH="0" baseline="0" noProof="0">
               <a:ln>
@@ -1795,7 +1797,7 @@
             </a:extLst>
           </p:cNvPr>
           <p:cNvSpPr>
-            <a:spLocks noRot="1" noChangeArrowheads="1" noTextEdit="1"/>
+            <a:spLocks noGrp="1" noRot="1" noChangeAspect="1" noChangeArrowheads="1" noTextEdit="1"/>
           </p:cNvSpPr>
           <p:nvPr>
             <p:ph type="sldImg"/>
@@ -1930,7 +1932,7 @@
                 <a:tabLst/>
                 <a:defRPr/>
               </a:pPr>
-              <a:t>4</a:t>
+              <a:t>5</a:t>
             </a:fld>
             <a:endParaRPr kumimoji="0" lang="it-IT" altLang="en-IT" sz="1200" b="0" i="0" u="none" strike="noStrike" kern="1200" cap="none" spc="0" normalizeH="0" baseline="0" noProof="0">
               <a:ln>
@@ -1959,7 +1961,7 @@
             </a:extLst>
           </p:cNvPr>
           <p:cNvSpPr>
-            <a:spLocks noRot="1" noChangeArrowheads="1" noTextEdit="1"/>
+            <a:spLocks noGrp="1" noRot="1" noChangeAspect="1" noChangeArrowheads="1" noTextEdit="1"/>
           </p:cNvSpPr>
           <p:nvPr>
             <p:ph type="sldImg"/>
@@ -2115,7 +2117,7 @@
                 <a:tabLst/>
                 <a:defRPr/>
               </a:pPr>
-              <a:t>7</a:t>
+              <a:t>8</a:t>
             </a:fld>
             <a:endParaRPr kumimoji="0" lang="it-IT" altLang="en-IT" sz="1200" b="0" i="0" u="none" strike="noStrike" kern="1200" cap="none" spc="0" normalizeH="0" baseline="0" noProof="0">
               <a:ln>
@@ -2144,7 +2146,7 @@
             </a:extLst>
           </p:cNvPr>
           <p:cNvSpPr>
-            <a:spLocks noRot="1" noChangeArrowheads="1" noTextEdit="1"/>
+            <a:spLocks noGrp="1" noRot="1" noChangeAspect="1" noChangeArrowheads="1" noTextEdit="1"/>
           </p:cNvSpPr>
           <p:nvPr>
             <p:ph type="sldImg"/>
@@ -2299,7 +2301,7 @@
                 <a:tabLst/>
                 <a:defRPr/>
               </a:pPr>
-              <a:t>10</a:t>
+              <a:t>11</a:t>
             </a:fld>
             <a:endParaRPr kumimoji="0" lang="it-IT" altLang="en-IT" sz="1200" b="0" i="0" u="none" strike="noStrike" kern="1200" cap="none" spc="0" normalizeH="0" baseline="0" noProof="0">
               <a:ln>
@@ -2328,7 +2330,7 @@
             </a:extLst>
           </p:cNvPr>
           <p:cNvSpPr>
-            <a:spLocks noRot="1" noChangeArrowheads="1" noTextEdit="1"/>
+            <a:spLocks noGrp="1" noRot="1" noChangeAspect="1" noChangeArrowheads="1" noTextEdit="1"/>
           </p:cNvSpPr>
           <p:nvPr>
             <p:ph type="sldImg"/>
@@ -2471,7 +2473,7 @@
                 <a:tabLst/>
                 <a:defRPr/>
               </a:pPr>
-              <a:t>11</a:t>
+              <a:t>12</a:t>
             </a:fld>
             <a:endParaRPr kumimoji="0" lang="it-IT" altLang="en-IT" sz="1200" b="0" i="0" u="none" strike="noStrike" kern="1200" cap="none" spc="0" normalizeH="0" baseline="0" noProof="0">
               <a:ln>
@@ -2500,7 +2502,7 @@
             </a:extLst>
           </p:cNvPr>
           <p:cNvSpPr>
-            <a:spLocks noRot="1" noChangeArrowheads="1" noTextEdit="1"/>
+            <a:spLocks noGrp="1" noRot="1" noChangeAspect="1" noChangeArrowheads="1" noTextEdit="1"/>
           </p:cNvSpPr>
           <p:nvPr>
             <p:ph type="sldImg"/>
@@ -2632,7 +2634,7 @@
                 <a:tabLst/>
                 <a:defRPr/>
               </a:pPr>
-              <a:t>20</a:t>
+              <a:t>21</a:t>
             </a:fld>
             <a:endParaRPr kumimoji="0" lang="it-IT" altLang="en-IT" sz="1200" b="0" i="0" u="none" strike="noStrike" kern="1200" cap="none" spc="0" normalizeH="0" baseline="0" noProof="0">
               <a:ln>
@@ -2661,7 +2663,7 @@
             </a:extLst>
           </p:cNvPr>
           <p:cNvSpPr>
-            <a:spLocks noRot="1" noChangeArrowheads="1" noTextEdit="1"/>
+            <a:spLocks noGrp="1" noRot="1" noChangeAspect="1" noChangeArrowheads="1" noTextEdit="1"/>
           </p:cNvSpPr>
           <p:nvPr>
             <p:ph type="sldImg"/>
@@ -2813,7 +2815,7 @@
                 <a:tabLst/>
                 <a:defRPr/>
               </a:pPr>
-              <a:t>21</a:t>
+              <a:t>22</a:t>
             </a:fld>
             <a:endParaRPr kumimoji="0" lang="it-IT" altLang="en-IT" sz="1200" b="0" i="0" u="none" strike="noStrike" kern="1200" cap="none" spc="0" normalizeH="0" baseline="0" noProof="0">
               <a:ln>
@@ -2842,7 +2844,7 @@
             </a:extLst>
           </p:cNvPr>
           <p:cNvSpPr>
-            <a:spLocks noRot="1" noChangeArrowheads="1" noTextEdit="1"/>
+            <a:spLocks noGrp="1" noRot="1" noChangeAspect="1" noChangeArrowheads="1" noTextEdit="1"/>
           </p:cNvSpPr>
           <p:nvPr>
             <p:ph type="sldImg"/>
@@ -9014,14 +9016,14 @@
           <a:effectLst/>
           <a:extLst>
             <a:ext uri="{909E8E84-426E-40dd-AFC4-6F175D3DCCD1}">
-              <a14:hiddenFill xmlns:a14="http://schemas.microsoft.com/office/drawing/2010/main" xmlns="">
+              <a14:hiddenFill xmlns="" xmlns:a14="http://schemas.microsoft.com/office/drawing/2010/main">
                 <a:solidFill>
                   <a:schemeClr val="accent1"/>
                 </a:solidFill>
               </a14:hiddenFill>
             </a:ext>
             <a:ext uri="{91240B29-F687-4f45-9708-019B960494DF}">
-              <a14:hiddenLine xmlns:a14="http://schemas.microsoft.com/office/drawing/2010/main" xmlns="" w="38100" algn="ctr">
+              <a14:hiddenLine xmlns="" xmlns:a14="http://schemas.microsoft.com/office/drawing/2010/main" w="38100" algn="ctr">
                 <a:solidFill>
                   <a:srgbClr val="CC0099"/>
                 </a:solidFill>
@@ -9031,7 +9033,7 @@
               </a14:hiddenLine>
             </a:ext>
             <a:ext uri="{AF507438-7753-43e0-B8FC-AC1667EBCBE1}">
-              <a14:hiddenEffects xmlns:a14="http://schemas.microsoft.com/office/drawing/2010/main" xmlns="">
+              <a14:hiddenEffects xmlns="" xmlns:a14="http://schemas.microsoft.com/office/drawing/2010/main">
                 <a:effectLst>
                   <a:outerShdw dist="35921" dir="2700000" algn="ctr" rotWithShape="0">
                     <a:schemeClr val="bg2"/>
@@ -9126,7 +9128,7 @@
           <a:noFill/>
           <a:extLst>
             <a:ext uri="{909E8E84-426E-40dd-AFC4-6F175D3DCCD1}">
-              <a14:hiddenFill xmlns:a14="http://schemas.microsoft.com/office/drawing/2010/main" xmlns="">
+              <a14:hiddenFill xmlns="" xmlns:a14="http://schemas.microsoft.com/office/drawing/2010/main">
                 <a:solidFill>
                   <a:srgbClr val="FFFFFF"/>
                 </a:solidFill>
@@ -9289,6 +9291,879 @@
 </file>
 
 <file path=ppt/slides/slide10.xml><?xml version="1.0" encoding="utf-8"?>
+<p:sld xmlns:a="http://schemas.openxmlformats.org/drawingml/2006/main" xmlns:r="http://schemas.openxmlformats.org/officeDocument/2006/relationships" xmlns:p="http://schemas.openxmlformats.org/presentationml/2006/main" showMasterSp="0">
+  <p:cSld>
+    <p:bg>
+      <p:bgPr>
+        <a:solidFill>
+          <a:schemeClr val="bg1"/>
+        </a:solidFill>
+        <a:effectLst/>
+      </p:bgPr>
+    </p:bg>
+    <p:spTree>
+      <p:nvGrpSpPr>
+        <p:cNvPr id="1" name=""/>
+        <p:cNvGrpSpPr/>
+        <p:nvPr/>
+      </p:nvGrpSpPr>
+      <p:grpSpPr>
+        <a:xfrm>
+          <a:off x="0" y="0"/>
+          <a:ext cx="0" cy="0"/>
+          <a:chOff x="0" y="0"/>
+          <a:chExt cx="0" cy="0"/>
+        </a:xfrm>
+      </p:grpSpPr>
+      <p:pic>
+        <p:nvPicPr>
+          <p:cNvPr id="176132" name="Picture 4">
+            <a:extLst>
+              <a:ext uri="{FF2B5EF4-FFF2-40B4-BE49-F238E27FC236}">
+                <a16:creationId xmlns:a16="http://schemas.microsoft.com/office/drawing/2014/main" id="{6951A6BE-3636-418E-2D12-DF31B1DA617C}"/>
+              </a:ext>
+            </a:extLst>
+          </p:cNvPr>
+          <p:cNvPicPr>
+            <a:picLocks noChangeAspect="1" noChangeArrowheads="1"/>
+          </p:cNvPicPr>
+          <p:nvPr/>
+        </p:nvPicPr>
+        <p:blipFill>
+          <a:blip r:embed="rId2">
+            <a:extLst>
+              <a:ext uri="{28A0092B-C50C-407E-A947-70E740481C1C}">
+                <a14:useLocalDpi xmlns:a14="http://schemas.microsoft.com/office/drawing/2010/main" val="0"/>
+              </a:ext>
+            </a:extLst>
+          </a:blip>
+          <a:srcRect/>
+          <a:stretch>
+            <a:fillRect/>
+          </a:stretch>
+        </p:blipFill>
+        <p:spPr bwMode="auto">
+          <a:xfrm>
+            <a:off x="0" y="304800"/>
+            <a:ext cx="9142413" cy="6197600"/>
+          </a:xfrm>
+          <a:prstGeom prst="rect">
+            <a:avLst/>
+          </a:prstGeom>
+          <a:noFill/>
+          <a:extLst>
+            <a:ext uri="{909E8E84-426E-40DD-AFC4-6F175D3DCCD1}">
+              <a14:hiddenFill xmlns:a14="http://schemas.microsoft.com/office/drawing/2010/main">
+                <a:solidFill>
+                  <a:srgbClr val="FFFFFF"/>
+                </a:solidFill>
+              </a14:hiddenFill>
+            </a:ext>
+          </a:extLst>
+        </p:spPr>
+      </p:pic>
+      <p:pic>
+        <p:nvPicPr>
+          <p:cNvPr id="176136" name="Picture 8">
+            <a:extLst>
+              <a:ext uri="{FF2B5EF4-FFF2-40B4-BE49-F238E27FC236}">
+                <a16:creationId xmlns:a16="http://schemas.microsoft.com/office/drawing/2014/main" id="{96F5BFDE-D5FF-E21C-FC9B-985334F74710}"/>
+              </a:ext>
+            </a:extLst>
+          </p:cNvPr>
+          <p:cNvPicPr>
+            <a:picLocks noChangeAspect="1" noChangeArrowheads="1"/>
+          </p:cNvPicPr>
+          <p:nvPr/>
+        </p:nvPicPr>
+        <p:blipFill>
+          <a:blip r:embed="rId3">
+            <a:extLst>
+              <a:ext uri="{28A0092B-C50C-407E-A947-70E740481C1C}">
+                <a14:useLocalDpi xmlns:a14="http://schemas.microsoft.com/office/drawing/2010/main" val="0"/>
+              </a:ext>
+            </a:extLst>
+          </a:blip>
+          <a:srcRect l="12502" t="13524" r="20819" b="45901"/>
+          <a:stretch>
+            <a:fillRect/>
+          </a:stretch>
+        </p:blipFill>
+        <p:spPr bwMode="auto">
+          <a:xfrm>
+            <a:off x="1371600" y="1295400"/>
+            <a:ext cx="6096000" cy="2514600"/>
+          </a:xfrm>
+          <a:prstGeom prst="rect">
+            <a:avLst/>
+          </a:prstGeom>
+          <a:noFill/>
+          <a:extLst>
+            <a:ext uri="{909E8E84-426E-40DD-AFC4-6F175D3DCCD1}">
+              <a14:hiddenFill xmlns:a14="http://schemas.microsoft.com/office/drawing/2010/main">
+                <a:solidFill>
+                  <a:srgbClr val="FFFFFF"/>
+                </a:solidFill>
+              </a14:hiddenFill>
+            </a:ext>
+          </a:extLst>
+        </p:spPr>
+      </p:pic>
+      <p:pic>
+        <p:nvPicPr>
+          <p:cNvPr id="176137" name="Picture 9">
+            <a:extLst>
+              <a:ext uri="{FF2B5EF4-FFF2-40B4-BE49-F238E27FC236}">
+                <a16:creationId xmlns:a16="http://schemas.microsoft.com/office/drawing/2014/main" id="{01751F12-257D-DC5F-B31E-2D42D5DF6AC6}"/>
+              </a:ext>
+            </a:extLst>
+          </p:cNvPr>
+          <p:cNvPicPr>
+            <a:picLocks noChangeAspect="1" noChangeArrowheads="1"/>
+          </p:cNvPicPr>
+          <p:nvPr/>
+        </p:nvPicPr>
+        <p:blipFill>
+          <a:blip r:embed="rId4">
+            <a:extLst>
+              <a:ext uri="{28A0092B-C50C-407E-A947-70E740481C1C}">
+                <a14:useLocalDpi xmlns:a14="http://schemas.microsoft.com/office/drawing/2010/main" val="0"/>
+              </a:ext>
+            </a:extLst>
+          </a:blip>
+          <a:srcRect t="49181" r="31656" b="26230"/>
+          <a:stretch>
+            <a:fillRect/>
+          </a:stretch>
+        </p:blipFill>
+        <p:spPr bwMode="auto">
+          <a:xfrm>
+            <a:off x="76200" y="1066800"/>
+            <a:ext cx="6248400" cy="1524000"/>
+          </a:xfrm>
+          <a:prstGeom prst="rect">
+            <a:avLst/>
+          </a:prstGeom>
+          <a:noFill/>
+          <a:extLst>
+            <a:ext uri="{909E8E84-426E-40DD-AFC4-6F175D3DCCD1}">
+              <a14:hiddenFill xmlns:a14="http://schemas.microsoft.com/office/drawing/2010/main">
+                <a:solidFill>
+                  <a:srgbClr val="FFFFFF"/>
+                </a:solidFill>
+              </a14:hiddenFill>
+            </a:ext>
+          </a:extLst>
+        </p:spPr>
+      </p:pic>
+      <p:sp>
+        <p:nvSpPr>
+          <p:cNvPr id="176138" name="Text Box 10">
+            <a:extLst>
+              <a:ext uri="{FF2B5EF4-FFF2-40B4-BE49-F238E27FC236}">
+                <a16:creationId xmlns:a16="http://schemas.microsoft.com/office/drawing/2014/main" id="{C73C45A9-FE55-B1AE-1883-705F2054A6E7}"/>
+              </a:ext>
+            </a:extLst>
+          </p:cNvPr>
+          <p:cNvSpPr txBox="1">
+            <a:spLocks noChangeArrowheads="1"/>
+          </p:cNvSpPr>
+          <p:nvPr/>
+        </p:nvSpPr>
+        <p:spPr bwMode="auto">
+          <a:xfrm>
+            <a:off x="6096000" y="2438400"/>
+            <a:ext cx="2479675" cy="519113"/>
+          </a:xfrm>
+          <a:prstGeom prst="rect">
+            <a:avLst/>
+          </a:prstGeom>
+          <a:solidFill>
+            <a:schemeClr val="bg1">
+              <a:alpha val="74001"/>
+            </a:schemeClr>
+          </a:solidFill>
+          <a:ln>
+            <a:noFill/>
+          </a:ln>
+          <a:effectLst/>
+          <a:extLst>
+            <a:ext uri="{91240B29-F687-4F45-9708-019B960494DF}">
+              <a14:hiddenLine xmlns:a14="http://schemas.microsoft.com/office/drawing/2010/main" w="38100" algn="ctr">
+                <a:solidFill>
+                  <a:srgbClr val="CC0099"/>
+                </a:solidFill>
+                <a:miter lim="800000"/>
+                <a:headEnd/>
+                <a:tailEnd/>
+              </a14:hiddenLine>
+            </a:ext>
+            <a:ext uri="{AF507438-7753-43E0-B8FC-AC1667EBCBE1}">
+              <a14:hiddenEffects xmlns:a14="http://schemas.microsoft.com/office/drawing/2010/main">
+                <a:effectLst>
+                  <a:outerShdw dist="35921" dir="2700000" algn="ctr" rotWithShape="0">
+                    <a:schemeClr val="bg2"/>
+                  </a:outerShdw>
+                </a:effectLst>
+              </a14:hiddenEffects>
+            </a:ext>
+          </a:extLst>
+        </p:spPr>
+        <p:txBody>
+          <a:bodyPr wrap="none" anchor="ctr"/>
+          <a:lstStyle/>
+          <a:p>
+            <a:pPr marL="0" marR="0" lvl="0" indent="0" algn="ctr" defTabSz="914400" rtl="0" eaLnBrk="1" fontAlgn="base" latinLnBrk="0" hangingPunct="1">
+              <a:lnSpc>
+                <a:spcPct val="100000"/>
+              </a:lnSpc>
+              <a:spcBef>
+                <a:spcPct val="0"/>
+              </a:spcBef>
+              <a:spcAft>
+                <a:spcPct val="0"/>
+              </a:spcAft>
+              <a:buClrTx/>
+              <a:buSzTx/>
+              <a:buFontTx/>
+              <a:buNone/>
+              <a:tabLst/>
+              <a:defRPr/>
+            </a:pPr>
+            <a:r>
+              <a:rPr kumimoji="0" lang="en-US" altLang="en-IT" sz="2800" b="0" i="0" u="none" strike="noStrike" kern="1200" cap="none" spc="0" normalizeH="0" baseline="0" noProof="0">
+                <a:ln>
+                  <a:noFill/>
+                </a:ln>
+                <a:solidFill>
+                  <a:srgbClr val="3333CC"/>
+                </a:solidFill>
+                <a:effectLst/>
+                <a:uLnTx/>
+                <a:uFillTx/>
+                <a:latin typeface="Calibri" panose="020F0502020204030204" pitchFamily="34" charset="0"/>
+                <a:ea typeface="+mn-ea"/>
+                <a:cs typeface="Arial" panose="020B0604020202020204" pitchFamily="34" charset="0"/>
+              </a:rPr>
+              <a:t>← Tiny tutorial</a:t>
+            </a:r>
+          </a:p>
+        </p:txBody>
+      </p:sp>
+      <p:sp>
+        <p:nvSpPr>
+          <p:cNvPr id="176139" name="AutoShape 11">
+            <a:extLst>
+              <a:ext uri="{FF2B5EF4-FFF2-40B4-BE49-F238E27FC236}">
+                <a16:creationId xmlns:a16="http://schemas.microsoft.com/office/drawing/2014/main" id="{69AAD6A1-57C1-B5AF-C823-560381E5ABF5}"/>
+              </a:ext>
+            </a:extLst>
+          </p:cNvPr>
+          <p:cNvSpPr>
+            <a:spLocks/>
+          </p:cNvSpPr>
+          <p:nvPr/>
+        </p:nvSpPr>
+        <p:spPr bwMode="auto">
+          <a:xfrm>
+            <a:off x="5969000" y="3151188"/>
+            <a:ext cx="2520950" cy="1225550"/>
+          </a:xfrm>
+          <a:prstGeom prst="borderCallout2">
+            <a:avLst>
+              <a:gd name="adj1" fmla="val 9329"/>
+              <a:gd name="adj2" fmla="val -2708"/>
+              <a:gd name="adj3" fmla="val 9329"/>
+              <a:gd name="adj4" fmla="val -13986"/>
+              <a:gd name="adj5" fmla="val -58162"/>
+              <a:gd name="adj6" fmla="val -54370"/>
+            </a:avLst>
+          </a:prstGeom>
+          <a:solidFill>
+            <a:schemeClr val="bg1">
+              <a:alpha val="70000"/>
+            </a:schemeClr>
+          </a:solidFill>
+          <a:ln w="38100" algn="ctr">
+            <a:solidFill>
+              <a:srgbClr val="33CC33"/>
+            </a:solidFill>
+            <a:miter lim="800000"/>
+            <a:headEnd/>
+            <a:tailEnd/>
+          </a:ln>
+          <a:effectLst/>
+          <a:extLst>
+            <a:ext uri="{AF507438-7753-43E0-B8FC-AC1667EBCBE1}">
+              <a14:hiddenEffects xmlns:a14="http://schemas.microsoft.com/office/drawing/2010/main">
+                <a:effectLst>
+                  <a:outerShdw dist="35921" dir="2700000" algn="ctr" rotWithShape="0">
+                    <a:schemeClr val="bg2"/>
+                  </a:outerShdw>
+                </a:effectLst>
+              </a14:hiddenEffects>
+            </a:ext>
+          </a:extLst>
+        </p:spPr>
+        <p:txBody>
+          <a:bodyPr wrap="none">
+            <a:spAutoFit/>
+          </a:bodyPr>
+          <a:lstStyle/>
+          <a:p>
+            <a:pPr marL="0" marR="0" lvl="0" indent="0" algn="l" defTabSz="914400" rtl="0" eaLnBrk="1" fontAlgn="base" latinLnBrk="0" hangingPunct="1">
+              <a:lnSpc>
+                <a:spcPct val="100000"/>
+              </a:lnSpc>
+              <a:spcBef>
+                <a:spcPct val="0"/>
+              </a:spcBef>
+              <a:spcAft>
+                <a:spcPct val="0"/>
+              </a:spcAft>
+              <a:buClrTx/>
+              <a:buSzTx/>
+              <a:buFontTx/>
+              <a:buNone/>
+              <a:tabLst/>
+              <a:defRPr/>
+            </a:pPr>
+            <a:r>
+              <a:rPr kumimoji="0" lang="en-US" altLang="en-IT" sz="2400" b="0" i="0" u="none" strike="noStrike" kern="1200" cap="none" spc="0" normalizeH="0" baseline="0" noProof="0">
+                <a:ln>
+                  <a:noFill/>
+                </a:ln>
+                <a:solidFill>
+                  <a:srgbClr val="000000"/>
+                </a:solidFill>
+                <a:effectLst/>
+                <a:uLnTx/>
+                <a:uFillTx/>
+                <a:latin typeface="Calibri" panose="020F0502020204030204" pitchFamily="34" charset="0"/>
+                <a:ea typeface="+mn-ea"/>
+                <a:cs typeface="Arial" panose="020B0604020202020204" pitchFamily="34" charset="0"/>
+              </a:rPr>
+              <a:t>Enter the PLUMED</a:t>
+            </a:r>
+            <a:br>
+              <a:rPr kumimoji="0" lang="en-US" altLang="en-IT" sz="2400" b="0" i="0" u="none" strike="noStrike" kern="1200" cap="none" spc="0" normalizeH="0" baseline="0" noProof="0">
+                <a:ln>
+                  <a:noFill/>
+                </a:ln>
+                <a:solidFill>
+                  <a:srgbClr val="000000"/>
+                </a:solidFill>
+                <a:effectLst/>
+                <a:uLnTx/>
+                <a:uFillTx/>
+                <a:latin typeface="Calibri" panose="020F0502020204030204" pitchFamily="34" charset="0"/>
+                <a:ea typeface="+mn-ea"/>
+                <a:cs typeface="Arial" panose="020B0604020202020204" pitchFamily="34" charset="0"/>
+              </a:rPr>
+            </a:br>
+            <a:r>
+              <a:rPr kumimoji="0" lang="en-US" altLang="en-IT" sz="2400" b="0" i="0" u="none" strike="noStrike" kern="1200" cap="none" spc="0" normalizeH="0" baseline="0" noProof="0">
+                <a:ln>
+                  <a:noFill/>
+                </a:ln>
+                <a:solidFill>
+                  <a:srgbClr val="000000"/>
+                </a:solidFill>
+                <a:effectLst/>
+                <a:uLnTx/>
+                <a:uFillTx/>
+                <a:latin typeface="Calibri" panose="020F0502020204030204" pitchFamily="34" charset="0"/>
+                <a:ea typeface="+mn-ea"/>
+                <a:cs typeface="Arial" panose="020B0604020202020204" pitchFamily="34" charset="0"/>
+              </a:rPr>
+              <a:t>input file as in a</a:t>
+            </a:r>
+            <a:br>
+              <a:rPr kumimoji="0" lang="en-US" altLang="en-IT" sz="2400" b="0" i="0" u="none" strike="noStrike" kern="1200" cap="none" spc="0" normalizeH="0" baseline="0" noProof="0">
+                <a:ln>
+                  <a:noFill/>
+                </a:ln>
+                <a:solidFill>
+                  <a:srgbClr val="000000"/>
+                </a:solidFill>
+                <a:effectLst/>
+                <a:uLnTx/>
+                <a:uFillTx/>
+                <a:latin typeface="Calibri" panose="020F0502020204030204" pitchFamily="34" charset="0"/>
+                <a:ea typeface="+mn-ea"/>
+                <a:cs typeface="Arial" panose="020B0604020202020204" pitchFamily="34" charset="0"/>
+              </a:rPr>
+            </a:br>
+            <a:r>
+              <a:rPr kumimoji="0" lang="en-US" altLang="en-IT" sz="2400" b="0" i="0" u="none" strike="noStrike" kern="1200" cap="none" spc="0" normalizeH="0" baseline="0" noProof="0">
+                <a:ln>
+                  <a:noFill/>
+                </a:ln>
+                <a:solidFill>
+                  <a:srgbClr val="000000"/>
+                </a:solidFill>
+                <a:effectLst/>
+                <a:uLnTx/>
+                <a:uFillTx/>
+                <a:latin typeface="Calibri" panose="020F0502020204030204" pitchFamily="34" charset="0"/>
+                <a:ea typeface="+mn-ea"/>
+                <a:cs typeface="Arial" panose="020B0604020202020204" pitchFamily="34" charset="0"/>
+              </a:rPr>
+              <a:t>text editor</a:t>
+            </a:r>
+          </a:p>
+        </p:txBody>
+      </p:sp>
+      <p:pic>
+        <p:nvPicPr>
+          <p:cNvPr id="176143" name="Picture 15">
+            <a:extLst>
+              <a:ext uri="{FF2B5EF4-FFF2-40B4-BE49-F238E27FC236}">
+                <a16:creationId xmlns:a16="http://schemas.microsoft.com/office/drawing/2014/main" id="{C82B67EA-7866-88F2-01CC-558839C4DEE2}"/>
+              </a:ext>
+            </a:extLst>
+          </p:cNvPr>
+          <p:cNvPicPr>
+            <a:picLocks noChangeAspect="1" noChangeArrowheads="1"/>
+          </p:cNvPicPr>
+          <p:nvPr/>
+        </p:nvPicPr>
+        <p:blipFill>
+          <a:blip r:embed="rId5">
+            <a:extLst>
+              <a:ext uri="{28A0092B-C50C-407E-A947-70E740481C1C}">
+                <a14:useLocalDpi xmlns:a14="http://schemas.microsoft.com/office/drawing/2010/main" val="0"/>
+              </a:ext>
+            </a:extLst>
+          </a:blip>
+          <a:srcRect/>
+          <a:stretch>
+            <a:fillRect/>
+          </a:stretch>
+        </p:blipFill>
+        <p:spPr bwMode="auto">
+          <a:xfrm>
+            <a:off x="1066800" y="2743200"/>
+            <a:ext cx="6781800" cy="2278063"/>
+          </a:xfrm>
+          <a:prstGeom prst="rect">
+            <a:avLst/>
+          </a:prstGeom>
+          <a:noFill/>
+          <a:extLst>
+            <a:ext uri="{909E8E84-426E-40DD-AFC4-6F175D3DCCD1}">
+              <a14:hiddenFill xmlns:a14="http://schemas.microsoft.com/office/drawing/2010/main">
+                <a:solidFill>
+                  <a:srgbClr val="FFFFFF"/>
+                </a:solidFill>
+              </a14:hiddenFill>
+            </a:ext>
+          </a:extLst>
+        </p:spPr>
+      </p:pic>
+      <p:sp>
+        <p:nvSpPr>
+          <p:cNvPr id="176142" name="AutoShape 14">
+            <a:extLst>
+              <a:ext uri="{FF2B5EF4-FFF2-40B4-BE49-F238E27FC236}">
+                <a16:creationId xmlns:a16="http://schemas.microsoft.com/office/drawing/2014/main" id="{201724DE-89EC-27E8-6F8E-2B3070B9BCAE}"/>
+              </a:ext>
+            </a:extLst>
+          </p:cNvPr>
+          <p:cNvSpPr>
+            <a:spLocks/>
+          </p:cNvSpPr>
+          <p:nvPr/>
+        </p:nvSpPr>
+        <p:spPr bwMode="auto">
+          <a:xfrm>
+            <a:off x="0" y="5715000"/>
+            <a:ext cx="2438400" cy="533400"/>
+          </a:xfrm>
+          <a:prstGeom prst="borderCallout2">
+            <a:avLst>
+              <a:gd name="adj1" fmla="val 21431"/>
+              <a:gd name="adj2" fmla="val 103125"/>
+              <a:gd name="adj3" fmla="val 21431"/>
+              <a:gd name="adj4" fmla="val 109051"/>
+              <a:gd name="adj5" fmla="val -223514"/>
+              <a:gd name="adj6" fmla="val 130403"/>
+            </a:avLst>
+          </a:prstGeom>
+          <a:noFill/>
+          <a:ln w="38100" algn="ctr">
+            <a:solidFill>
+              <a:schemeClr val="accent2"/>
+            </a:solidFill>
+            <a:miter lim="800000"/>
+            <a:headEnd/>
+            <a:tailEnd/>
+          </a:ln>
+          <a:effectLst/>
+          <a:extLst>
+            <a:ext uri="{909E8E84-426E-40DD-AFC4-6F175D3DCCD1}">
+              <a14:hiddenFill xmlns:a14="http://schemas.microsoft.com/office/drawing/2010/main">
+                <a:solidFill>
+                  <a:schemeClr val="accent1"/>
+                </a:solidFill>
+              </a14:hiddenFill>
+            </a:ext>
+            <a:ext uri="{AF507438-7753-43E0-B8FC-AC1667EBCBE1}">
+              <a14:hiddenEffects xmlns:a14="http://schemas.microsoft.com/office/drawing/2010/main">
+                <a:effectLst>
+                  <a:outerShdw dist="35921" dir="2700000" algn="ctr" rotWithShape="0">
+                    <a:schemeClr val="bg2"/>
+                  </a:outerShdw>
+                </a:effectLst>
+              </a14:hiddenEffects>
+            </a:ext>
+          </a:extLst>
+        </p:spPr>
+        <p:txBody>
+          <a:bodyPr wrap="none" anchor="ctr"/>
+          <a:lstStyle/>
+          <a:p>
+            <a:pPr marL="0" marR="0" lvl="0" indent="0" algn="ctr" defTabSz="914400" rtl="0" eaLnBrk="1" fontAlgn="base" latinLnBrk="0" hangingPunct="1">
+              <a:lnSpc>
+                <a:spcPct val="100000"/>
+              </a:lnSpc>
+              <a:spcBef>
+                <a:spcPct val="0"/>
+              </a:spcBef>
+              <a:spcAft>
+                <a:spcPct val="0"/>
+              </a:spcAft>
+              <a:buClrTx/>
+              <a:buSzTx/>
+              <a:buFontTx/>
+              <a:buNone/>
+              <a:tabLst/>
+              <a:defRPr/>
+            </a:pPr>
+            <a:endParaRPr kumimoji="0" lang="en-GB" sz="1800" b="0" i="0" u="none" strike="noStrike" kern="1200" cap="none" spc="0" normalizeH="0" baseline="0" noProof="0">
+              <a:ln>
+                <a:noFill/>
+              </a:ln>
+              <a:solidFill>
+                <a:srgbClr val="000000"/>
+              </a:solidFill>
+              <a:effectLst/>
+              <a:uLnTx/>
+              <a:uFillTx/>
+              <a:latin typeface="Arial" panose="020B0604020202020204" pitchFamily="34" charset="0"/>
+              <a:ea typeface="+mn-ea"/>
+              <a:cs typeface="Arial"/>
+            </a:endParaRPr>
+          </a:p>
+        </p:txBody>
+      </p:sp>
+    </p:spTree>
+  </p:cSld>
+  <p:clrMapOvr>
+    <a:masterClrMapping/>
+  </p:clrMapOvr>
+  <p:timing>
+    <p:tnLst>
+      <p:par>
+        <p:cTn id="1" dur="indefinite" restart="never" nodeType="tmRoot">
+          <p:childTnLst>
+            <p:seq concurrent="1" nextAc="seek">
+              <p:cTn id="2" dur="indefinite" nodeType="mainSeq">
+                <p:childTnLst>
+                  <p:par>
+                    <p:cTn id="3" fill="hold" nodeType="clickPar">
+                      <p:stCondLst>
+                        <p:cond delay="indefinite"/>
+                      </p:stCondLst>
+                      <p:childTnLst>
+                        <p:par>
+                          <p:cTn id="4" fill="hold" nodeType="withGroup">
+                            <p:stCondLst>
+                              <p:cond delay="0"/>
+                            </p:stCondLst>
+                            <p:childTnLst>
+                              <p:par>
+                                <p:cTn id="5" presetID="1" presetClass="entr" presetSubtype="0" fill="hold" nodeType="clickEffect">
+                                  <p:stCondLst>
+                                    <p:cond delay="0"/>
+                                  </p:stCondLst>
+                                  <p:childTnLst>
+                                    <p:set>
+                                      <p:cBhvr>
+                                        <p:cTn id="6" dur="1" fill="hold">
+                                          <p:stCondLst>
+                                            <p:cond delay="0"/>
+                                          </p:stCondLst>
+                                        </p:cTn>
+                                        <p:tgtEl>
+                                          <p:spTgt spid="176136"/>
+                                        </p:tgtEl>
+                                        <p:attrNameLst>
+                                          <p:attrName>style.visibility</p:attrName>
+                                        </p:attrNameLst>
+                                      </p:cBhvr>
+                                      <p:to>
+                                        <p:strVal val="visible"/>
+                                      </p:to>
+                                    </p:set>
+                                  </p:childTnLst>
+                                  <p:subTnLst>
+                                    <p:set>
+                                      <p:cBhvr override="childStyle">
+                                        <p:cTn dur="1" fill="hold" display="0" masterRel="nextClick" afterEffect="1"/>
+                                        <p:tgtEl>
+                                          <p:spTgt spid="176136"/>
+                                        </p:tgtEl>
+                                        <p:attrNameLst>
+                                          <p:attrName>style.visibility</p:attrName>
+                                        </p:attrNameLst>
+                                      </p:cBhvr>
+                                      <p:to>
+                                        <p:strVal val="hidden"/>
+                                      </p:to>
+                                    </p:set>
+                                  </p:subTnLst>
+                                </p:cTn>
+                              </p:par>
+                              <p:par>
+                                <p:cTn id="7" presetID="1" presetClass="entr" presetSubtype="0" fill="hold" grpId="0" nodeType="withEffect">
+                                  <p:stCondLst>
+                                    <p:cond delay="0"/>
+                                  </p:stCondLst>
+                                  <p:childTnLst>
+                                    <p:set>
+                                      <p:cBhvr>
+                                        <p:cTn id="8" dur="1" fill="hold">
+                                          <p:stCondLst>
+                                            <p:cond delay="0"/>
+                                          </p:stCondLst>
+                                        </p:cTn>
+                                        <p:tgtEl>
+                                          <p:spTgt spid="176138"/>
+                                        </p:tgtEl>
+                                        <p:attrNameLst>
+                                          <p:attrName>style.visibility</p:attrName>
+                                        </p:attrNameLst>
+                                      </p:cBhvr>
+                                      <p:to>
+                                        <p:strVal val="visible"/>
+                                      </p:to>
+                                    </p:set>
+                                  </p:childTnLst>
+                                  <p:subTnLst>
+                                    <p:set>
+                                      <p:cBhvr override="childStyle">
+                                        <p:cTn dur="1" fill="hold" display="0" masterRel="nextClick" afterEffect="1"/>
+                                        <p:tgtEl>
+                                          <p:spTgt spid="176138"/>
+                                        </p:tgtEl>
+                                        <p:attrNameLst>
+                                          <p:attrName>style.visibility</p:attrName>
+                                        </p:attrNameLst>
+                                      </p:cBhvr>
+                                      <p:to>
+                                        <p:strVal val="hidden"/>
+                                      </p:to>
+                                    </p:set>
+                                  </p:subTnLst>
+                                </p:cTn>
+                              </p:par>
+                            </p:childTnLst>
+                          </p:cTn>
+                        </p:par>
+                      </p:childTnLst>
+                    </p:cTn>
+                  </p:par>
+                  <p:par>
+                    <p:cTn id="9" fill="hold" nodeType="clickPar">
+                      <p:stCondLst>
+                        <p:cond delay="indefinite"/>
+                      </p:stCondLst>
+                      <p:childTnLst>
+                        <p:par>
+                          <p:cTn id="10" fill="hold" nodeType="withGroup">
+                            <p:stCondLst>
+                              <p:cond delay="0"/>
+                            </p:stCondLst>
+                            <p:childTnLst>
+                              <p:par>
+                                <p:cTn id="11" presetID="1" presetClass="entr" presetSubtype="0" fill="hold" nodeType="clickEffect">
+                                  <p:stCondLst>
+                                    <p:cond delay="0"/>
+                                  </p:stCondLst>
+                                  <p:childTnLst>
+                                    <p:set>
+                                      <p:cBhvr>
+                                        <p:cTn id="12" dur="1" fill="hold">
+                                          <p:stCondLst>
+                                            <p:cond delay="0"/>
+                                          </p:stCondLst>
+                                        </p:cTn>
+                                        <p:tgtEl>
+                                          <p:spTgt spid="176137"/>
+                                        </p:tgtEl>
+                                        <p:attrNameLst>
+                                          <p:attrName>style.visibility</p:attrName>
+                                        </p:attrNameLst>
+                                      </p:cBhvr>
+                                      <p:to>
+                                        <p:strVal val="visible"/>
+                                      </p:to>
+                                    </p:set>
+                                  </p:childTnLst>
+                                </p:cTn>
+                              </p:par>
+                              <p:par>
+                                <p:cTn id="13" presetID="1" presetClass="entr" presetSubtype="0" fill="hold" grpId="0" nodeType="withEffect">
+                                  <p:stCondLst>
+                                    <p:cond delay="0"/>
+                                  </p:stCondLst>
+                                  <p:childTnLst>
+                                    <p:set>
+                                      <p:cBhvr>
+                                        <p:cTn id="14" dur="1" fill="hold">
+                                          <p:stCondLst>
+                                            <p:cond delay="0"/>
+                                          </p:stCondLst>
+                                        </p:cTn>
+                                        <p:tgtEl>
+                                          <p:spTgt spid="176139"/>
+                                        </p:tgtEl>
+                                        <p:attrNameLst>
+                                          <p:attrName>style.visibility</p:attrName>
+                                        </p:attrNameLst>
+                                      </p:cBhvr>
+                                      <p:to>
+                                        <p:strVal val="visible"/>
+                                      </p:to>
+                                    </p:set>
+                                  </p:childTnLst>
+                                  <p:subTnLst>
+                                    <p:set>
+                                      <p:cBhvr override="childStyle">
+                                        <p:cTn dur="1" fill="hold" display="0" masterRel="nextClick" afterEffect="1"/>
+                                        <p:tgtEl>
+                                          <p:spTgt spid="176139"/>
+                                        </p:tgtEl>
+                                        <p:attrNameLst>
+                                          <p:attrName>style.visibility</p:attrName>
+                                        </p:attrNameLst>
+                                      </p:cBhvr>
+                                      <p:to>
+                                        <p:strVal val="hidden"/>
+                                      </p:to>
+                                    </p:set>
+                                  </p:subTnLst>
+                                </p:cTn>
+                              </p:par>
+                            </p:childTnLst>
+                          </p:cTn>
+                        </p:par>
+                      </p:childTnLst>
+                    </p:cTn>
+                  </p:par>
+                  <p:par>
+                    <p:cTn id="15" fill="hold" nodeType="clickPar">
+                      <p:stCondLst>
+                        <p:cond delay="indefinite"/>
+                      </p:stCondLst>
+                      <p:childTnLst>
+                        <p:par>
+                          <p:cTn id="16" fill="hold" nodeType="withGroup">
+                            <p:stCondLst>
+                              <p:cond delay="0"/>
+                            </p:stCondLst>
+                            <p:childTnLst>
+                              <p:par>
+                                <p:cTn id="17" presetID="1" presetClass="entr" presetSubtype="0" fill="hold" nodeType="clickEffect">
+                                  <p:stCondLst>
+                                    <p:cond delay="0"/>
+                                  </p:stCondLst>
+                                  <p:childTnLst>
+                                    <p:set>
+                                      <p:cBhvr>
+                                        <p:cTn id="18" dur="1" fill="hold">
+                                          <p:stCondLst>
+                                            <p:cond delay="0"/>
+                                          </p:stCondLst>
+                                        </p:cTn>
+                                        <p:tgtEl>
+                                          <p:spTgt spid="176142"/>
+                                        </p:tgtEl>
+                                        <p:attrNameLst>
+                                          <p:attrName>style.visibility</p:attrName>
+                                        </p:attrNameLst>
+                                      </p:cBhvr>
+                                      <p:to>
+                                        <p:strVal val="visible"/>
+                                      </p:to>
+                                    </p:set>
+                                  </p:childTnLst>
+                                </p:cTn>
+                              </p:par>
+                              <p:par>
+                                <p:cTn id="19" presetID="1" presetClass="entr" presetSubtype="0" fill="hold" nodeType="withEffect">
+                                  <p:stCondLst>
+                                    <p:cond delay="0"/>
+                                  </p:stCondLst>
+                                  <p:childTnLst>
+                                    <p:set>
+                                      <p:cBhvr>
+                                        <p:cTn id="20" dur="1" fill="hold">
+                                          <p:stCondLst>
+                                            <p:cond delay="0"/>
+                                          </p:stCondLst>
+                                        </p:cTn>
+                                        <p:tgtEl>
+                                          <p:spTgt spid="176143"/>
+                                        </p:tgtEl>
+                                        <p:attrNameLst>
+                                          <p:attrName>style.visibility</p:attrName>
+                                        </p:attrNameLst>
+                                      </p:cBhvr>
+                                      <p:to>
+                                        <p:strVal val="visible"/>
+                                      </p:to>
+                                    </p:set>
+                                  </p:childTnLst>
+                                </p:cTn>
+                              </p:par>
+                            </p:childTnLst>
+                          </p:cTn>
+                        </p:par>
+                      </p:childTnLst>
+                    </p:cTn>
+                  </p:par>
+                </p:childTnLst>
+              </p:cTn>
+              <p:prevCondLst>
+                <p:cond evt="onPrev" delay="0">
+                  <p:tgtEl>
+                    <p:sldTgt/>
+                  </p:tgtEl>
+                </p:cond>
+              </p:prevCondLst>
+              <p:nextCondLst>
+                <p:cond evt="onNext" delay="0">
+                  <p:tgtEl>
+                    <p:sldTgt/>
+                  </p:tgtEl>
+                </p:cond>
+              </p:nextCondLst>
+            </p:seq>
+          </p:childTnLst>
+        </p:cTn>
+      </p:par>
+    </p:tnLst>
+    <p:bldLst>
+      <p:bldP spid="176138" grpId="0" animBg="1"/>
+      <p:bldP spid="176139" grpId="0" animBg="1"/>
+    </p:bldLst>
+  </p:timing>
+</p:sld>
+</file>
+
+<file path=ppt/slides/slide11.xml><?xml version="1.0" encoding="utf-8"?>
 <p:sld xmlns:a="http://schemas.openxmlformats.org/drawingml/2006/main" xmlns:r="http://schemas.openxmlformats.org/officeDocument/2006/relationships" xmlns:p="http://schemas.openxmlformats.org/presentationml/2006/main">
   <p:cSld>
     <p:spTree>
@@ -9458,7 +10333,7 @@
 </p:sld>
 </file>
 
-<file path=ppt/slides/slide11.xml><?xml version="1.0" encoding="utf-8"?>
+<file path=ppt/slides/slide12.xml><?xml version="1.0" encoding="utf-8"?>
 <p:sld xmlns:a="http://schemas.openxmlformats.org/drawingml/2006/main" xmlns:r="http://schemas.openxmlformats.org/officeDocument/2006/relationships" xmlns:p="http://schemas.openxmlformats.org/presentationml/2006/main">
   <p:cSld>
     <p:spTree>
@@ -10971,7 +11846,7 @@
 </p:sld>
 </file>
 
-<file path=ppt/slides/slide12.xml><?xml version="1.0" encoding="utf-8"?>
+<file path=ppt/slides/slide13.xml><?xml version="1.0" encoding="utf-8"?>
 <p:sld xmlns:a="http://schemas.openxmlformats.org/drawingml/2006/main" xmlns:r="http://schemas.openxmlformats.org/officeDocument/2006/relationships" xmlns:p="http://schemas.openxmlformats.org/presentationml/2006/main">
   <p:cSld>
     <p:spTree>
@@ -11411,7 +12286,7 @@
 </p:sld>
 </file>
 
-<file path=ppt/slides/slide13.xml><?xml version="1.0" encoding="utf-8"?>
+<file path=ppt/slides/slide14.xml><?xml version="1.0" encoding="utf-8"?>
 <p:sld xmlns:a="http://schemas.openxmlformats.org/drawingml/2006/main" xmlns:r="http://schemas.openxmlformats.org/officeDocument/2006/relationships" xmlns:p="http://schemas.openxmlformats.org/presentationml/2006/main">
   <p:cSld>
     <p:spTree>
@@ -11610,7 +12485,7 @@
 </p:sld>
 </file>
 
-<file path=ppt/slides/slide14.xml><?xml version="1.0" encoding="utf-8"?>
+<file path=ppt/slides/slide15.xml><?xml version="1.0" encoding="utf-8"?>
 <p:sld xmlns:a="http://schemas.openxmlformats.org/drawingml/2006/main" xmlns:r="http://schemas.openxmlformats.org/officeDocument/2006/relationships" xmlns:p="http://schemas.openxmlformats.org/presentationml/2006/main">
   <p:cSld>
     <p:spTree>
@@ -11799,7 +12674,7 @@
 </p:sld>
 </file>
 
-<file path=ppt/slides/slide15.xml><?xml version="1.0" encoding="utf-8"?>
+<file path=ppt/slides/slide16.xml><?xml version="1.0" encoding="utf-8"?>
 <p:sld xmlns:a="http://schemas.openxmlformats.org/drawingml/2006/main" xmlns:r="http://schemas.openxmlformats.org/officeDocument/2006/relationships" xmlns:p="http://schemas.openxmlformats.org/presentationml/2006/main">
   <p:cSld>
     <p:spTree>
@@ -11892,7 +12767,7 @@
 </p:sld>
 </file>
 
-<file path=ppt/slides/slide16.xml><?xml version="1.0" encoding="utf-8"?>
+<file path=ppt/slides/slide17.xml><?xml version="1.0" encoding="utf-8"?>
 <p:sld xmlns:a="http://schemas.openxmlformats.org/drawingml/2006/main" xmlns:r="http://schemas.openxmlformats.org/officeDocument/2006/relationships" xmlns:p="http://schemas.openxmlformats.org/presentationml/2006/main">
   <p:cSld>
     <p:spTree>
@@ -13340,7 +14215,7 @@
 </p:sld>
 </file>
 
-<file path=ppt/slides/slide17.xml><?xml version="1.0" encoding="utf-8"?>
+<file path=ppt/slides/slide18.xml><?xml version="1.0" encoding="utf-8"?>
 <p:sld xmlns:a="http://schemas.openxmlformats.org/drawingml/2006/main" xmlns:r="http://schemas.openxmlformats.org/officeDocument/2006/relationships" xmlns:p="http://schemas.openxmlformats.org/presentationml/2006/main">
   <p:cSld>
     <p:spTree>
@@ -13995,7 +14870,7 @@
 </p:sld>
 </file>
 
-<file path=ppt/slides/slide18.xml><?xml version="1.0" encoding="utf-8"?>
+<file path=ppt/slides/slide19.xml><?xml version="1.0" encoding="utf-8"?>
 <p:sld xmlns:a="http://schemas.openxmlformats.org/drawingml/2006/main" xmlns:r="http://schemas.openxmlformats.org/officeDocument/2006/relationships" xmlns:p="http://schemas.openxmlformats.org/presentationml/2006/main">
   <p:cSld>
     <p:spTree>
@@ -14130,7 +15005,90 @@
 </p:sld>
 </file>
 
-<file path=ppt/slides/slide19.xml><?xml version="1.0" encoding="utf-8"?>
+<file path=ppt/slides/slide2.xml><?xml version="1.0" encoding="utf-8"?>
+<p:sld xmlns:a="http://schemas.openxmlformats.org/drawingml/2006/main" xmlns:r="http://schemas.openxmlformats.org/officeDocument/2006/relationships" xmlns:p="http://schemas.openxmlformats.org/presentationml/2006/main">
+  <p:cSld>
+    <p:spTree>
+      <p:nvGrpSpPr>
+        <p:cNvPr id="1" name=""/>
+        <p:cNvGrpSpPr/>
+        <p:nvPr/>
+      </p:nvGrpSpPr>
+      <p:grpSpPr>
+        <a:xfrm>
+          <a:off x="0" y="0"/>
+          <a:ext cx="0" cy="0"/>
+          <a:chOff x="0" y="0"/>
+          <a:chExt cx="0" cy="0"/>
+        </a:xfrm>
+      </p:grpSpPr>
+      <p:sp>
+        <p:nvSpPr>
+          <p:cNvPr id="2" name="Title 1">
+            <a:extLst>
+              <a:ext uri="{FF2B5EF4-FFF2-40B4-BE49-F238E27FC236}">
+                <a16:creationId xmlns:a16="http://schemas.microsoft.com/office/drawing/2014/main" id="{716440C1-0067-FEDD-E226-5E2774F2E58A}"/>
+              </a:ext>
+            </a:extLst>
+          </p:cNvPr>
+          <p:cNvSpPr>
+            <a:spLocks noGrp="1"/>
+          </p:cNvSpPr>
+          <p:nvPr>
+            <p:ph type="ctrTitle"/>
+          </p:nvPr>
+        </p:nvSpPr>
+        <p:spPr/>
+        <p:txBody>
+          <a:bodyPr/>
+          <a:lstStyle/>
+          <a:p>
+            <a:r>
+              <a:rPr lang="en-GB" dirty="0"/>
+              <a:t>Part I – PLUMED-GUI</a:t>
+            </a:r>
+          </a:p>
+        </p:txBody>
+      </p:sp>
+      <p:sp>
+        <p:nvSpPr>
+          <p:cNvPr id="3" name="Subtitle 2">
+            <a:extLst>
+              <a:ext uri="{FF2B5EF4-FFF2-40B4-BE49-F238E27FC236}">
+                <a16:creationId xmlns:a16="http://schemas.microsoft.com/office/drawing/2014/main" id="{A6DC37CD-A637-6108-0095-18765E599B13}"/>
+              </a:ext>
+            </a:extLst>
+          </p:cNvPr>
+          <p:cNvSpPr>
+            <a:spLocks noGrp="1"/>
+          </p:cNvSpPr>
+          <p:nvPr>
+            <p:ph type="subTitle" idx="1"/>
+          </p:nvPr>
+        </p:nvSpPr>
+        <p:spPr/>
+        <p:txBody>
+          <a:bodyPr/>
+          <a:lstStyle/>
+          <a:p>
+            <a:endParaRPr lang="en-GB"/>
+          </a:p>
+        </p:txBody>
+      </p:sp>
+    </p:spTree>
+    <p:extLst>
+      <p:ext uri="{BB962C8B-B14F-4D97-AF65-F5344CB8AC3E}">
+        <p14:creationId xmlns:p14="http://schemas.microsoft.com/office/powerpoint/2010/main" val="683983623"/>
+      </p:ext>
+    </p:extLst>
+  </p:cSld>
+  <p:clrMapOvr>
+    <a:masterClrMapping/>
+  </p:clrMapOvr>
+</p:sld>
+</file>
+
+<file path=ppt/slides/slide20.xml><?xml version="1.0" encoding="utf-8"?>
 <p:sld xmlns:a="http://schemas.openxmlformats.org/drawingml/2006/main" xmlns:r="http://schemas.openxmlformats.org/officeDocument/2006/relationships" xmlns:p="http://schemas.openxmlformats.org/presentationml/2006/main">
   <p:cSld>
     <p:spTree>
@@ -15667,1250 +16625,7 @@
 </p:sld>
 </file>
 
-<file path=ppt/slides/slide2.xml><?xml version="1.0" encoding="utf-8"?>
-<p:sld xmlns:a="http://schemas.openxmlformats.org/drawingml/2006/main" xmlns:r="http://schemas.openxmlformats.org/officeDocument/2006/relationships" xmlns:p="http://schemas.openxmlformats.org/presentationml/2006/main">
-  <p:cSld>
-    <p:spTree>
-      <p:nvGrpSpPr>
-        <p:cNvPr id="1" name=""/>
-        <p:cNvGrpSpPr/>
-        <p:nvPr/>
-      </p:nvGrpSpPr>
-      <p:grpSpPr>
-        <a:xfrm>
-          <a:off x="0" y="0"/>
-          <a:ext cx="0" cy="0"/>
-          <a:chOff x="0" y="0"/>
-          <a:chExt cx="0" cy="0"/>
-        </a:xfrm>
-      </p:grpSpPr>
-      <p:sp>
-        <p:nvSpPr>
-          <p:cNvPr id="158722" name="Rectangle 2">
-            <a:extLst>
-              <a:ext uri="{FF2B5EF4-FFF2-40B4-BE49-F238E27FC236}">
-                <a16:creationId xmlns:a16="http://schemas.microsoft.com/office/drawing/2014/main" id="{9CF4FC03-7B61-94B9-1EF8-DD1219C7CD53}"/>
-              </a:ext>
-            </a:extLst>
-          </p:cNvPr>
-          <p:cNvSpPr>
-            <a:spLocks noGrp="1" noChangeArrowheads="1"/>
-          </p:cNvSpPr>
-          <p:nvPr>
-            <p:ph type="title"/>
-          </p:nvPr>
-        </p:nvSpPr>
-        <p:spPr/>
-        <p:txBody>
-          <a:bodyPr/>
-          <a:lstStyle/>
-          <a:p>
-            <a:r>
-              <a:rPr lang="it-IT" altLang="en-IT"/>
-              <a:t>Rationale for a Plumed-GUI</a:t>
-            </a:r>
-          </a:p>
-        </p:txBody>
-      </p:sp>
-      <p:grpSp>
-        <p:nvGrpSpPr>
-          <p:cNvPr id="158724" name="Group 4">
-            <a:extLst>
-              <a:ext uri="{FF2B5EF4-FFF2-40B4-BE49-F238E27FC236}">
-                <a16:creationId xmlns:a16="http://schemas.microsoft.com/office/drawing/2014/main" id="{14A34F29-3992-F065-6BEB-E02F5CBACA14}"/>
-              </a:ext>
-            </a:extLst>
-          </p:cNvPr>
-          <p:cNvGrpSpPr>
-            <a:grpSpLocks/>
-          </p:cNvGrpSpPr>
-          <p:nvPr/>
-        </p:nvGrpSpPr>
-        <p:grpSpPr bwMode="auto">
-          <a:xfrm>
-            <a:off x="152400" y="1600200"/>
-            <a:ext cx="2309813" cy="2362200"/>
-            <a:chOff x="0" y="0"/>
-            <a:chExt cx="2304" cy="2304"/>
-          </a:xfrm>
-        </p:grpSpPr>
-        <p:pic>
-          <p:nvPicPr>
-            <p:cNvPr id="158725" name="Picture 5">
-              <a:extLst>
-                <a:ext uri="{FF2B5EF4-FFF2-40B4-BE49-F238E27FC236}">
-                  <a16:creationId xmlns:a16="http://schemas.microsoft.com/office/drawing/2014/main" id="{E8DE3AF4-D20B-564E-22AE-894B486ED3FD}"/>
-                </a:ext>
-              </a:extLst>
-            </p:cNvPr>
-            <p:cNvPicPr>
-              <a:picLocks noChangeAspect="1" noChangeArrowheads="1"/>
-            </p:cNvPicPr>
-            <p:nvPr/>
-          </p:nvPicPr>
-          <p:blipFill>
-            <a:blip r:embed="rId2">
-              <a:extLst>
-                <a:ext uri="{28A0092B-C50C-407E-A947-70E740481C1C}">
-                  <a14:useLocalDpi xmlns:a14="http://schemas.microsoft.com/office/drawing/2010/main" val="0"/>
-                </a:ext>
-              </a:extLst>
-            </a:blip>
-            <a:srcRect/>
-            <a:stretch>
-              <a:fillRect/>
-            </a:stretch>
-          </p:blipFill>
-          <p:spPr bwMode="auto">
-            <a:xfrm>
-              <a:off x="0" y="0"/>
-              <a:ext cx="2304" cy="2304"/>
-            </a:xfrm>
-            <a:prstGeom prst="rect">
-              <a:avLst/>
-            </a:prstGeom>
-            <a:noFill/>
-            <a:extLst>
-              <a:ext uri="{909E8E84-426E-40DD-AFC4-6F175D3DCCD1}">
-                <a14:hiddenFill xmlns:a14="http://schemas.microsoft.com/office/drawing/2010/main">
-                  <a:solidFill>
-                    <a:srgbClr val="FFFFFF"/>
-                  </a:solidFill>
-                </a14:hiddenFill>
-              </a:ext>
-            </a:extLst>
-          </p:spPr>
-        </p:pic>
-        <p:sp>
-          <p:nvSpPr>
-            <p:cNvPr id="158726" name="Arc 6">
-              <a:extLst>
-                <a:ext uri="{FF2B5EF4-FFF2-40B4-BE49-F238E27FC236}">
-                  <a16:creationId xmlns:a16="http://schemas.microsoft.com/office/drawing/2014/main" id="{C4096DAE-E754-0B5D-DD64-C032A054EA96}"/>
-                </a:ext>
-              </a:extLst>
-            </p:cNvPr>
-            <p:cNvSpPr>
-              <a:spLocks/>
-            </p:cNvSpPr>
-            <p:nvPr/>
-          </p:nvSpPr>
-          <p:spPr bwMode="auto">
-            <a:xfrm rot="1800000">
-              <a:off x="1776" y="624"/>
-              <a:ext cx="384" cy="528"/>
-            </a:xfrm>
-            <a:custGeom>
-              <a:avLst/>
-              <a:gdLst>
-                <a:gd name="G0" fmla="+- 0 0 0"/>
-                <a:gd name="G1" fmla="+- 21600 0 0"/>
-                <a:gd name="G2" fmla="+- 21600 0 0"/>
-                <a:gd name="T0" fmla="*/ 0 w 21600"/>
-                <a:gd name="T1" fmla="*/ 0 h 21600"/>
-                <a:gd name="T2" fmla="*/ 21600 w 21600"/>
-                <a:gd name="T3" fmla="*/ 21600 h 21600"/>
-                <a:gd name="T4" fmla="*/ 0 w 21600"/>
-                <a:gd name="T5" fmla="*/ 21600 h 21600"/>
-              </a:gdLst>
-              <a:ahLst/>
-              <a:cxnLst>
-                <a:cxn ang="0">
-                  <a:pos x="T0" y="T1"/>
-                </a:cxn>
-                <a:cxn ang="0">
-                  <a:pos x="T2" y="T3"/>
-                </a:cxn>
-                <a:cxn ang="0">
-                  <a:pos x="T4" y="T5"/>
-                </a:cxn>
-              </a:cxnLst>
-              <a:rect l="0" t="0" r="r" b="b"/>
-              <a:pathLst>
-                <a:path w="21600" h="21600" fill="none" extrusionOk="0">
-                  <a:moveTo>
-                    <a:pt x="0" y="0"/>
-                  </a:moveTo>
-                  <a:cubicBezTo>
-                    <a:pt x="11929" y="0"/>
-                    <a:pt x="21600" y="9670"/>
-                    <a:pt x="21600" y="21600"/>
-                  </a:cubicBezTo>
-                </a:path>
-                <a:path w="21600" h="21600" stroke="0" extrusionOk="0">
-                  <a:moveTo>
-                    <a:pt x="0" y="0"/>
-                  </a:moveTo>
-                  <a:cubicBezTo>
-                    <a:pt x="11929" y="0"/>
-                    <a:pt x="21600" y="9670"/>
-                    <a:pt x="21600" y="21600"/>
-                  </a:cubicBezTo>
-                  <a:lnTo>
-                    <a:pt x="0" y="21600"/>
-                  </a:lnTo>
-                  <a:close/>
-                </a:path>
-              </a:pathLst>
-            </a:custGeom>
-            <a:noFill/>
-            <a:ln w="38100">
-              <a:solidFill>
-                <a:srgbClr val="CC0066"/>
-              </a:solidFill>
-              <a:round/>
-              <a:headEnd type="triangle" w="med" len="med"/>
-              <a:tailEnd type="triangle" w="med" len="med"/>
-            </a:ln>
-            <a:effectLst/>
-            <a:extLst>
-              <a:ext uri="{909E8E84-426E-40DD-AFC4-6F175D3DCCD1}">
-                <a14:hiddenFill xmlns:a14="http://schemas.microsoft.com/office/drawing/2010/main">
-                  <a:solidFill>
-                    <a:schemeClr val="accent1"/>
-                  </a:solidFill>
-                </a14:hiddenFill>
-              </a:ext>
-              <a:ext uri="{AF507438-7753-43E0-B8FC-AC1667EBCBE1}">
-                <a14:hiddenEffects xmlns:a14="http://schemas.microsoft.com/office/drawing/2010/main">
-                  <a:effectLst>
-                    <a:outerShdw dist="35921" dir="2700000" algn="ctr" rotWithShape="0">
-                      <a:schemeClr val="bg2"/>
-                    </a:outerShdw>
-                  </a:effectLst>
-                </a14:hiddenEffects>
-              </a:ext>
-            </a:extLst>
-          </p:spPr>
-          <p:txBody>
-            <a:bodyPr wrap="none" anchor="ctr"/>
-            <a:lstStyle/>
-            <a:p>
-              <a:pPr marL="0" marR="0" lvl="0" indent="0" algn="ctr" defTabSz="914400" rtl="0" eaLnBrk="1" fontAlgn="base" latinLnBrk="0" hangingPunct="1">
-                <a:lnSpc>
-                  <a:spcPct val="100000"/>
-                </a:lnSpc>
-                <a:spcBef>
-                  <a:spcPct val="0"/>
-                </a:spcBef>
-                <a:spcAft>
-                  <a:spcPct val="0"/>
-                </a:spcAft>
-                <a:buClrTx/>
-                <a:buSzTx/>
-                <a:buFontTx/>
-                <a:buNone/>
-                <a:tabLst/>
-                <a:defRPr/>
-              </a:pPr>
-              <a:endParaRPr kumimoji="0" lang="en-GB" sz="1800" b="0" i="0" u="none" strike="noStrike" kern="1200" cap="none" spc="0" normalizeH="0" baseline="0" noProof="0">
-                <a:ln>
-                  <a:noFill/>
-                </a:ln>
-                <a:solidFill>
-                  <a:srgbClr val="000000"/>
-                </a:solidFill>
-                <a:effectLst/>
-                <a:uLnTx/>
-                <a:uFillTx/>
-                <a:latin typeface="Arial" panose="020B0604020202020204" pitchFamily="34" charset="0"/>
-                <a:ea typeface="+mn-ea"/>
-                <a:cs typeface="Arial"/>
-              </a:endParaRPr>
-            </a:p>
-          </p:txBody>
-        </p:sp>
-        <p:sp>
-          <p:nvSpPr>
-            <p:cNvPr id="158727" name="Text Box 7">
-              <a:extLst>
-                <a:ext uri="{FF2B5EF4-FFF2-40B4-BE49-F238E27FC236}">
-                  <a16:creationId xmlns:a16="http://schemas.microsoft.com/office/drawing/2014/main" id="{C7C3C483-2A7F-D17B-7DFB-E986C5ED1338}"/>
-                </a:ext>
-              </a:extLst>
-            </p:cNvPr>
-            <p:cNvSpPr txBox="1">
-              <a:spLocks noChangeArrowheads="1"/>
-            </p:cNvSpPr>
-            <p:nvPr/>
-          </p:nvSpPr>
-          <p:spPr bwMode="auto">
-            <a:xfrm>
-              <a:off x="1926" y="311"/>
-              <a:ext cx="184" cy="328"/>
-            </a:xfrm>
-            <a:prstGeom prst="rect">
-              <a:avLst/>
-            </a:prstGeom>
-            <a:noFill/>
-            <a:ln>
-              <a:noFill/>
-            </a:ln>
-            <a:effectLst/>
-            <a:extLst>
-              <a:ext uri="{909E8E84-426E-40DD-AFC4-6F175D3DCCD1}">
-                <a14:hiddenFill xmlns:a14="http://schemas.microsoft.com/office/drawing/2010/main">
-                  <a:solidFill>
-                    <a:schemeClr val="accent1"/>
-                  </a:solidFill>
-                </a14:hiddenFill>
-              </a:ext>
-              <a:ext uri="{91240B29-F687-4F45-9708-019B960494DF}">
-                <a14:hiddenLine xmlns:a14="http://schemas.microsoft.com/office/drawing/2010/main" w="38100" algn="ctr">
-                  <a:solidFill>
-                    <a:srgbClr val="CC0066"/>
-                  </a:solidFill>
-                  <a:miter lim="800000"/>
-                  <a:headEnd/>
-                  <a:tailEnd/>
-                </a14:hiddenLine>
-              </a:ext>
-              <a:ext uri="{AF507438-7753-43E0-B8FC-AC1667EBCBE1}">
-                <a14:hiddenEffects xmlns:a14="http://schemas.microsoft.com/office/drawing/2010/main">
-                  <a:effectLst>
-                    <a:outerShdw dist="35921" dir="2700000" algn="ctr" rotWithShape="0">
-                      <a:schemeClr val="bg2"/>
-                    </a:outerShdw>
-                  </a:effectLst>
-                </a14:hiddenEffects>
-              </a:ext>
-            </a:extLst>
-          </p:spPr>
-          <p:txBody>
-            <a:bodyPr wrap="none">
-              <a:spAutoFit/>
-            </a:bodyPr>
-            <a:lstStyle/>
-            <a:p>
-              <a:pPr marL="0" marR="0" lvl="0" indent="0" algn="ctr" defTabSz="914400" rtl="0" eaLnBrk="1" fontAlgn="base" latinLnBrk="0" hangingPunct="1">
-                <a:lnSpc>
-                  <a:spcPct val="100000"/>
-                </a:lnSpc>
-                <a:spcBef>
-                  <a:spcPct val="0"/>
-                </a:spcBef>
-                <a:spcAft>
-                  <a:spcPct val="0"/>
-                </a:spcAft>
-                <a:buClrTx/>
-                <a:buSzTx/>
-                <a:buFontTx/>
-                <a:buNone/>
-                <a:tabLst/>
-                <a:defRPr/>
-              </a:pPr>
-              <a:endParaRPr kumimoji="0" lang="en-US" altLang="en-IT" sz="1600" b="0" i="0" u="none" strike="noStrike" kern="1200" cap="none" spc="0" normalizeH="0" baseline="0" noProof="0">
-                <a:ln>
-                  <a:noFill/>
-                </a:ln>
-                <a:solidFill>
-                  <a:srgbClr val="000000"/>
-                </a:solidFill>
-                <a:effectLst/>
-                <a:uLnTx/>
-                <a:uFillTx/>
-                <a:latin typeface="Arial" panose="020B0604020202020204" pitchFamily="34" charset="0"/>
-                <a:ea typeface="+mn-ea"/>
-                <a:cs typeface="Arial"/>
-              </a:endParaRPr>
-            </a:p>
-          </p:txBody>
-        </p:sp>
-        <p:sp>
-          <p:nvSpPr>
-            <p:cNvPr id="158728" name="Text Box 8">
-              <a:extLst>
-                <a:ext uri="{FF2B5EF4-FFF2-40B4-BE49-F238E27FC236}">
-                  <a16:creationId xmlns:a16="http://schemas.microsoft.com/office/drawing/2014/main" id="{F9305A49-03C9-3D5F-5AD1-674F85DC8E63}"/>
-                </a:ext>
-              </a:extLst>
-            </p:cNvPr>
-            <p:cNvSpPr txBox="1">
-              <a:spLocks noChangeArrowheads="1"/>
-            </p:cNvSpPr>
-            <p:nvPr/>
-          </p:nvSpPr>
-          <p:spPr bwMode="auto">
-            <a:xfrm>
-              <a:off x="1878" y="1536"/>
-              <a:ext cx="184" cy="328"/>
-            </a:xfrm>
-            <a:prstGeom prst="rect">
-              <a:avLst/>
-            </a:prstGeom>
-            <a:noFill/>
-            <a:ln>
-              <a:noFill/>
-            </a:ln>
-            <a:effectLst/>
-            <a:extLst>
-              <a:ext uri="{909E8E84-426E-40DD-AFC4-6F175D3DCCD1}">
-                <a14:hiddenFill xmlns:a14="http://schemas.microsoft.com/office/drawing/2010/main">
-                  <a:solidFill>
-                    <a:schemeClr val="accent1"/>
-                  </a:solidFill>
-                </a14:hiddenFill>
-              </a:ext>
-              <a:ext uri="{91240B29-F687-4F45-9708-019B960494DF}">
-                <a14:hiddenLine xmlns:a14="http://schemas.microsoft.com/office/drawing/2010/main" w="38100" algn="ctr">
-                  <a:solidFill>
-                    <a:srgbClr val="CC0066"/>
-                  </a:solidFill>
-                  <a:miter lim="800000"/>
-                  <a:headEnd/>
-                  <a:tailEnd/>
-                </a14:hiddenLine>
-              </a:ext>
-              <a:ext uri="{AF507438-7753-43E0-B8FC-AC1667EBCBE1}">
-                <a14:hiddenEffects xmlns:a14="http://schemas.microsoft.com/office/drawing/2010/main">
-                  <a:effectLst>
-                    <a:outerShdw dist="35921" dir="2700000" algn="ctr" rotWithShape="0">
-                      <a:schemeClr val="bg2"/>
-                    </a:outerShdw>
-                  </a:effectLst>
-                </a14:hiddenEffects>
-              </a:ext>
-            </a:extLst>
-          </p:spPr>
-          <p:txBody>
-            <a:bodyPr wrap="none">
-              <a:spAutoFit/>
-            </a:bodyPr>
-            <a:lstStyle/>
-            <a:p>
-              <a:pPr marL="0" marR="0" lvl="0" indent="0" algn="ctr" defTabSz="914400" rtl="0" eaLnBrk="1" fontAlgn="base" latinLnBrk="0" hangingPunct="1">
-                <a:lnSpc>
-                  <a:spcPct val="100000"/>
-                </a:lnSpc>
-                <a:spcBef>
-                  <a:spcPct val="0"/>
-                </a:spcBef>
-                <a:spcAft>
-                  <a:spcPct val="0"/>
-                </a:spcAft>
-                <a:buClrTx/>
-                <a:buSzTx/>
-                <a:buFontTx/>
-                <a:buNone/>
-                <a:tabLst/>
-                <a:defRPr/>
-              </a:pPr>
-              <a:endParaRPr kumimoji="0" lang="en-US" altLang="en-IT" sz="1600" b="0" i="0" u="none" strike="noStrike" kern="1200" cap="none" spc="0" normalizeH="0" baseline="0" noProof="0">
-                <a:ln>
-                  <a:noFill/>
-                </a:ln>
-                <a:solidFill>
-                  <a:srgbClr val="000000"/>
-                </a:solidFill>
-                <a:effectLst/>
-                <a:uLnTx/>
-                <a:uFillTx/>
-                <a:latin typeface="Arial" panose="020B0604020202020204" pitchFamily="34" charset="0"/>
-                <a:ea typeface="+mn-ea"/>
-                <a:cs typeface="Arial"/>
-              </a:endParaRPr>
-            </a:p>
-          </p:txBody>
-        </p:sp>
-      </p:grpSp>
-      <p:pic>
-        <p:nvPicPr>
-          <p:cNvPr id="158730" name="Picture 10">
-            <a:extLst>
-              <a:ext uri="{FF2B5EF4-FFF2-40B4-BE49-F238E27FC236}">
-                <a16:creationId xmlns:a16="http://schemas.microsoft.com/office/drawing/2014/main" id="{83038D19-2723-6D3A-CE2B-E5B1DC2CA9D8}"/>
-              </a:ext>
-            </a:extLst>
-          </p:cNvPr>
-          <p:cNvPicPr>
-            <a:picLocks noChangeAspect="1" noChangeArrowheads="1"/>
-          </p:cNvPicPr>
-          <p:nvPr/>
-        </p:nvPicPr>
-        <p:blipFill>
-          <a:blip r:embed="rId3">
-            <a:extLst>
-              <a:ext uri="{28A0092B-C50C-407E-A947-70E740481C1C}">
-                <a14:useLocalDpi xmlns:a14="http://schemas.microsoft.com/office/drawing/2010/main" val="0"/>
-              </a:ext>
-            </a:extLst>
-          </a:blip>
-          <a:srcRect/>
-          <a:stretch>
-            <a:fillRect/>
-          </a:stretch>
-        </p:blipFill>
-        <p:spPr bwMode="auto">
-          <a:xfrm>
-            <a:off x="304800" y="4191000"/>
-            <a:ext cx="2166938" cy="2057400"/>
-          </a:xfrm>
-          <a:prstGeom prst="rect">
-            <a:avLst/>
-          </a:prstGeom>
-          <a:noFill/>
-          <a:extLst>
-            <a:ext uri="{909E8E84-426E-40DD-AFC4-6F175D3DCCD1}">
-              <a14:hiddenFill xmlns:a14="http://schemas.microsoft.com/office/drawing/2010/main">
-                <a:solidFill>
-                  <a:srgbClr val="FFFFFF"/>
-                </a:solidFill>
-              </a14:hiddenFill>
-            </a:ext>
-          </a:extLst>
-        </p:spPr>
-      </p:pic>
-      <p:sp>
-        <p:nvSpPr>
-          <p:cNvPr id="158733" name="Text Box 13">
-            <a:extLst>
-              <a:ext uri="{FF2B5EF4-FFF2-40B4-BE49-F238E27FC236}">
-                <a16:creationId xmlns:a16="http://schemas.microsoft.com/office/drawing/2014/main" id="{B559C181-0298-C57C-A0B9-9AFEE52F318D}"/>
-              </a:ext>
-            </a:extLst>
-          </p:cNvPr>
-          <p:cNvSpPr txBox="1">
-            <a:spLocks noChangeArrowheads="1"/>
-          </p:cNvSpPr>
-          <p:nvPr/>
-        </p:nvSpPr>
-        <p:spPr bwMode="auto">
-          <a:xfrm>
-            <a:off x="6440488" y="1577975"/>
-            <a:ext cx="2487612" cy="2178050"/>
-          </a:xfrm>
-          <a:prstGeom prst="rect">
-            <a:avLst/>
-          </a:prstGeom>
-          <a:noFill/>
-          <a:ln w="28575" algn="ctr">
-            <a:solidFill>
-              <a:schemeClr val="accent2"/>
-            </a:solidFill>
-            <a:miter lim="800000"/>
-            <a:headEnd/>
-            <a:tailEnd/>
-          </a:ln>
-          <a:effectLst/>
-          <a:extLst>
-            <a:ext uri="{909E8E84-426E-40DD-AFC4-6F175D3DCCD1}">
-              <a14:hiddenFill xmlns:a14="http://schemas.microsoft.com/office/drawing/2010/main">
-                <a:solidFill>
-                  <a:srgbClr val="FFFFFF"/>
-                </a:solidFill>
-              </a14:hiddenFill>
-            </a:ext>
-            <a:ext uri="{AF507438-7753-43E0-B8FC-AC1667EBCBE1}">
-              <a14:hiddenEffects xmlns:a14="http://schemas.microsoft.com/office/drawing/2010/main">
-                <a:effectLst>
-                  <a:outerShdw dist="35921" dir="2700000" algn="ctr" rotWithShape="0">
-                    <a:schemeClr val="bg2"/>
-                  </a:outerShdw>
-                </a:effectLst>
-              </a14:hiddenEffects>
-            </a:ext>
-          </a:extLst>
-        </p:spPr>
-        <p:txBody>
-          <a:bodyPr anchor="ctr" anchorCtr="1"/>
-          <a:lstStyle/>
-          <a:p>
-            <a:pPr marL="0" marR="0" lvl="0" indent="0" algn="l" defTabSz="914400" rtl="0" eaLnBrk="1" fontAlgn="base" latinLnBrk="0" hangingPunct="1">
-              <a:lnSpc>
-                <a:spcPct val="100000"/>
-              </a:lnSpc>
-              <a:spcBef>
-                <a:spcPct val="0"/>
-              </a:spcBef>
-              <a:spcAft>
-                <a:spcPct val="0"/>
-              </a:spcAft>
-              <a:buClrTx/>
-              <a:buSzTx/>
-              <a:buFontTx/>
-              <a:buChar char="•"/>
-              <a:tabLst/>
-              <a:defRPr/>
-            </a:pPr>
-            <a:r>
-              <a:rPr kumimoji="0" lang="en-US" altLang="en-IT" sz="2400" b="0" i="0" u="none" strike="noStrike" kern="1200" cap="none" spc="0" normalizeH="0" baseline="0" noProof="0">
-                <a:ln>
-                  <a:noFill/>
-                </a:ln>
-                <a:solidFill>
-                  <a:srgbClr val="000000"/>
-                </a:solidFill>
-                <a:effectLst/>
-                <a:uLnTx/>
-                <a:uFillTx/>
-                <a:latin typeface="Arial" panose="020B0604020202020204" pitchFamily="34" charset="0"/>
-                <a:ea typeface="+mn-ea"/>
-                <a:cs typeface="Arial"/>
-              </a:rPr>
-              <a:t> Local RMSD</a:t>
-            </a:r>
-          </a:p>
-          <a:p>
-            <a:pPr marL="0" marR="0" lvl="0" indent="0" algn="l" defTabSz="914400" rtl="0" eaLnBrk="1" fontAlgn="base" latinLnBrk="0" hangingPunct="1">
-              <a:lnSpc>
-                <a:spcPct val="100000"/>
-              </a:lnSpc>
-              <a:spcBef>
-                <a:spcPct val="0"/>
-              </a:spcBef>
-              <a:spcAft>
-                <a:spcPct val="0"/>
-              </a:spcAft>
-              <a:buClrTx/>
-              <a:buSzTx/>
-              <a:buFontTx/>
-              <a:buChar char="•"/>
-              <a:tabLst/>
-              <a:defRPr/>
-            </a:pPr>
-            <a:r>
-              <a:rPr kumimoji="0" lang="en-US" altLang="en-IT" sz="2400" b="0" i="0" u="none" strike="noStrike" kern="1200" cap="none" spc="0" normalizeH="0" baseline="0" noProof="0">
-                <a:ln>
-                  <a:noFill/>
-                </a:ln>
-                <a:solidFill>
-                  <a:srgbClr val="000000"/>
-                </a:solidFill>
-                <a:effectLst/>
-                <a:uLnTx/>
-                <a:uFillTx/>
-                <a:latin typeface="Arial" panose="020B0604020202020204" pitchFamily="34" charset="0"/>
-                <a:ea typeface="+mn-ea"/>
-                <a:cs typeface="Arial"/>
-              </a:rPr>
-              <a:t> Contacts</a:t>
-            </a:r>
-          </a:p>
-          <a:p>
-            <a:pPr marL="0" marR="0" lvl="0" indent="0" algn="l" defTabSz="914400" rtl="0" eaLnBrk="1" fontAlgn="base" latinLnBrk="0" hangingPunct="1">
-              <a:lnSpc>
-                <a:spcPct val="100000"/>
-              </a:lnSpc>
-              <a:spcBef>
-                <a:spcPct val="0"/>
-              </a:spcBef>
-              <a:spcAft>
-                <a:spcPct val="0"/>
-              </a:spcAft>
-              <a:buClrTx/>
-              <a:buSzTx/>
-              <a:buFontTx/>
-              <a:buChar char="•"/>
-              <a:tabLst/>
-              <a:defRPr/>
-            </a:pPr>
-            <a:r>
-              <a:rPr kumimoji="0" lang="en-US" altLang="en-IT" sz="2400" b="0" i="0" u="none" strike="noStrike" kern="1200" cap="none" spc="0" normalizeH="0" baseline="0" noProof="0">
-                <a:ln>
-                  <a:noFill/>
-                </a:ln>
-                <a:solidFill>
-                  <a:srgbClr val="000000"/>
-                </a:solidFill>
-                <a:effectLst/>
-                <a:uLnTx/>
-                <a:uFillTx/>
-                <a:latin typeface="Arial" panose="020B0604020202020204" pitchFamily="34" charset="0"/>
-                <a:ea typeface="+mn-ea"/>
-                <a:cs typeface="Arial"/>
-              </a:rPr>
-              <a:t> Native contacts</a:t>
-            </a:r>
-          </a:p>
-          <a:p>
-            <a:pPr marL="0" marR="0" lvl="0" indent="0" algn="l" defTabSz="914400" rtl="0" eaLnBrk="1" fontAlgn="base" latinLnBrk="0" hangingPunct="1">
-              <a:lnSpc>
-                <a:spcPct val="100000"/>
-              </a:lnSpc>
-              <a:spcBef>
-                <a:spcPct val="0"/>
-              </a:spcBef>
-              <a:spcAft>
-                <a:spcPct val="0"/>
-              </a:spcAft>
-              <a:buClrTx/>
-              <a:buSzTx/>
-              <a:buFontTx/>
-              <a:buChar char="•"/>
-              <a:tabLst/>
-              <a:defRPr/>
-            </a:pPr>
-            <a:r>
-              <a:rPr kumimoji="0" lang="en-US" altLang="en-IT" sz="2400" b="0" i="0" u="none" strike="noStrike" kern="1200" cap="none" spc="0" normalizeH="0" baseline="0" noProof="0">
-                <a:ln>
-                  <a:noFill/>
-                </a:ln>
-                <a:solidFill>
-                  <a:srgbClr val="000000"/>
-                </a:solidFill>
-                <a:effectLst/>
-                <a:uLnTx/>
-                <a:uFillTx/>
-                <a:latin typeface="Arial" panose="020B0604020202020204" pitchFamily="34" charset="0"/>
-                <a:ea typeface="+mn-ea"/>
-                <a:cs typeface="Arial"/>
-              </a:rPr>
-              <a:t> Hydration</a:t>
-            </a:r>
-          </a:p>
-          <a:p>
-            <a:pPr marL="0" marR="0" lvl="0" indent="0" algn="l" defTabSz="914400" rtl="0" eaLnBrk="1" fontAlgn="base" latinLnBrk="0" hangingPunct="1">
-              <a:lnSpc>
-                <a:spcPct val="100000"/>
-              </a:lnSpc>
-              <a:spcBef>
-                <a:spcPct val="0"/>
-              </a:spcBef>
-              <a:spcAft>
-                <a:spcPct val="0"/>
-              </a:spcAft>
-              <a:buClrTx/>
-              <a:buSzTx/>
-              <a:buFontTx/>
-              <a:buChar char="•"/>
-              <a:tabLst/>
-              <a:defRPr/>
-            </a:pPr>
-            <a:r>
-              <a:rPr kumimoji="0" lang="en-US" altLang="en-IT" sz="2400" b="0" i="0" u="none" strike="noStrike" kern="1200" cap="none" spc="0" normalizeH="0" baseline="0" noProof="0">
-                <a:ln>
-                  <a:noFill/>
-                </a:ln>
-                <a:solidFill>
-                  <a:srgbClr val="000000"/>
-                </a:solidFill>
-                <a:effectLst/>
-                <a:uLnTx/>
-                <a:uFillTx/>
-                <a:latin typeface="Arial" panose="020B0604020202020204" pitchFamily="34" charset="0"/>
-                <a:ea typeface="+mn-ea"/>
-                <a:cs typeface="Arial"/>
-              </a:rPr>
-              <a:t> …</a:t>
-            </a:r>
-          </a:p>
-        </p:txBody>
-      </p:sp>
-      <p:sp>
-        <p:nvSpPr>
-          <p:cNvPr id="158734" name="Text Box 14">
-            <a:extLst>
-              <a:ext uri="{FF2B5EF4-FFF2-40B4-BE49-F238E27FC236}">
-                <a16:creationId xmlns:a16="http://schemas.microsoft.com/office/drawing/2014/main" id="{2A3D3D06-F0C8-21A8-8764-1C2B28C1811C}"/>
-              </a:ext>
-            </a:extLst>
-          </p:cNvPr>
-          <p:cNvSpPr txBox="1">
-            <a:spLocks noChangeArrowheads="1"/>
-          </p:cNvSpPr>
-          <p:nvPr/>
-        </p:nvSpPr>
-        <p:spPr bwMode="auto">
-          <a:xfrm>
-            <a:off x="6248400" y="4603750"/>
-            <a:ext cx="2917825" cy="1187450"/>
-          </a:xfrm>
-          <a:prstGeom prst="rect">
-            <a:avLst/>
-          </a:prstGeom>
-          <a:noFill/>
-          <a:ln>
-            <a:noFill/>
-          </a:ln>
-          <a:effectLst/>
-          <a:extLst>
-            <a:ext uri="{909E8E84-426E-40DD-AFC4-6F175D3DCCD1}">
-              <a14:hiddenFill xmlns:a14="http://schemas.microsoft.com/office/drawing/2010/main">
-                <a:solidFill>
-                  <a:srgbClr val="FFFFFF"/>
-                </a:solidFill>
-              </a14:hiddenFill>
-            </a:ext>
-            <a:ext uri="{91240B29-F687-4F45-9708-019B960494DF}">
-              <a14:hiddenLine xmlns:a14="http://schemas.microsoft.com/office/drawing/2010/main" w="38100" algn="ctr">
-                <a:solidFill>
-                  <a:schemeClr val="accent2"/>
-                </a:solidFill>
-                <a:miter lim="800000"/>
-                <a:headEnd/>
-                <a:tailEnd/>
-              </a14:hiddenLine>
-            </a:ext>
-            <a:ext uri="{AF507438-7753-43E0-B8FC-AC1667EBCBE1}">
-              <a14:hiddenEffects xmlns:a14="http://schemas.microsoft.com/office/drawing/2010/main">
-                <a:effectLst>
-                  <a:outerShdw dist="35921" dir="2700000" algn="ctr" rotWithShape="0">
-                    <a:schemeClr val="bg2"/>
-                  </a:outerShdw>
-                </a:effectLst>
-              </a14:hiddenEffects>
-            </a:ext>
-          </a:extLst>
-        </p:spPr>
-        <p:txBody>
-          <a:bodyPr>
-            <a:spAutoFit/>
-          </a:bodyPr>
-          <a:lstStyle/>
-          <a:p>
-            <a:pPr marL="0" marR="0" lvl="0" indent="0" algn="ctr" defTabSz="914400" rtl="0" eaLnBrk="1" fontAlgn="base" latinLnBrk="0" hangingPunct="1">
-              <a:lnSpc>
-                <a:spcPct val="100000"/>
-              </a:lnSpc>
-              <a:spcBef>
-                <a:spcPct val="0"/>
-              </a:spcBef>
-              <a:spcAft>
-                <a:spcPct val="0"/>
-              </a:spcAft>
-              <a:buClrTx/>
-              <a:buSzTx/>
-              <a:buFontTx/>
-              <a:buNone/>
-              <a:tabLst/>
-              <a:defRPr/>
-            </a:pPr>
-            <a:r>
-              <a:rPr kumimoji="0" lang="en-US" altLang="en-IT" sz="2400" b="0" i="1" u="none" strike="noStrike" kern="1200" cap="none" spc="0" normalizeH="0" baseline="0" noProof="0">
-                <a:ln>
-                  <a:noFill/>
-                </a:ln>
-                <a:solidFill>
-                  <a:srgbClr val="000000"/>
-                </a:solidFill>
-                <a:effectLst/>
-                <a:uLnTx/>
-                <a:uFillTx/>
-                <a:latin typeface="Arial" panose="020B0604020202020204" pitchFamily="34" charset="0"/>
-                <a:ea typeface="+mn-ea"/>
-                <a:cs typeface="Arial"/>
-              </a:rPr>
-              <a:t>All of them seem good ideas… until you try them</a:t>
-            </a:r>
-          </a:p>
-        </p:txBody>
-      </p:sp>
-      <p:sp>
-        <p:nvSpPr>
-          <p:cNvPr id="158735" name="Text Box 15">
-            <a:extLst>
-              <a:ext uri="{FF2B5EF4-FFF2-40B4-BE49-F238E27FC236}">
-                <a16:creationId xmlns:a16="http://schemas.microsoft.com/office/drawing/2014/main" id="{04D4F069-895D-031A-3416-C346CC45DCA5}"/>
-              </a:ext>
-            </a:extLst>
-          </p:cNvPr>
-          <p:cNvSpPr txBox="1">
-            <a:spLocks noChangeArrowheads="1"/>
-          </p:cNvSpPr>
-          <p:nvPr/>
-        </p:nvSpPr>
-        <p:spPr bwMode="auto">
-          <a:xfrm>
-            <a:off x="76200" y="6415088"/>
-            <a:ext cx="3886200" cy="336550"/>
-          </a:xfrm>
-          <a:prstGeom prst="rect">
-            <a:avLst/>
-          </a:prstGeom>
-          <a:noFill/>
-          <a:ln>
-            <a:noFill/>
-          </a:ln>
-          <a:effectLst/>
-          <a:extLst>
-            <a:ext uri="{909E8E84-426E-40DD-AFC4-6F175D3DCCD1}">
-              <a14:hiddenFill xmlns:a14="http://schemas.microsoft.com/office/drawing/2010/main">
-                <a:solidFill>
-                  <a:schemeClr val="accent1"/>
-                </a:solidFill>
-              </a14:hiddenFill>
-            </a:ext>
-            <a:ext uri="{91240B29-F687-4F45-9708-019B960494DF}">
-              <a14:hiddenLine xmlns:a14="http://schemas.microsoft.com/office/drawing/2010/main" w="38100" algn="ctr">
-                <a:solidFill>
-                  <a:srgbClr val="CC0099"/>
-                </a:solidFill>
-                <a:miter lim="800000"/>
-                <a:headEnd/>
-                <a:tailEnd/>
-              </a14:hiddenLine>
-            </a:ext>
-            <a:ext uri="{AF507438-7753-43E0-B8FC-AC1667EBCBE1}">
-              <a14:hiddenEffects xmlns:a14="http://schemas.microsoft.com/office/drawing/2010/main">
-                <a:effectLst>
-                  <a:outerShdw dist="35921" dir="2700000" algn="ctr" rotWithShape="0">
-                    <a:schemeClr val="bg2"/>
-                  </a:outerShdw>
-                </a:effectLst>
-              </a14:hiddenEffects>
-            </a:ext>
-          </a:extLst>
-        </p:spPr>
-        <p:txBody>
-          <a:bodyPr>
-            <a:spAutoFit/>
-          </a:bodyPr>
-          <a:lstStyle/>
-          <a:p>
-            <a:pPr marL="0" marR="0" lvl="0" indent="0" algn="l" defTabSz="914400" rtl="0" eaLnBrk="1" fontAlgn="base" latinLnBrk="0" hangingPunct="1">
-              <a:lnSpc>
-                <a:spcPct val="100000"/>
-              </a:lnSpc>
-              <a:spcBef>
-                <a:spcPct val="50000"/>
-              </a:spcBef>
-              <a:spcAft>
-                <a:spcPct val="0"/>
-              </a:spcAft>
-              <a:buClrTx/>
-              <a:buSzTx/>
-              <a:buFontTx/>
-              <a:buNone/>
-              <a:tabLst/>
-              <a:defRPr/>
-            </a:pPr>
-            <a:r>
-              <a:rPr kumimoji="0" lang="it-IT" altLang="en-IT" sz="1600" b="0" i="0" u="none" strike="noStrike" kern="1200" cap="none" spc="0" normalizeH="0" baseline="0" noProof="0">
-                <a:ln>
-                  <a:noFill/>
-                </a:ln>
-                <a:solidFill>
-                  <a:srgbClr val="000000"/>
-                </a:solidFill>
-                <a:effectLst/>
-                <a:uLnTx/>
-                <a:uFillTx/>
-                <a:latin typeface="Arial" panose="020B0604020202020204" pitchFamily="34" charset="0"/>
-                <a:ea typeface="+mn-ea"/>
-                <a:cs typeface="Arial"/>
-              </a:rPr>
-              <a:t>Giorgino et al., JCTC 2012</a:t>
-            </a:r>
-          </a:p>
-        </p:txBody>
-      </p:sp>
-      <p:pic>
-        <p:nvPicPr>
-          <p:cNvPr id="158736" name="Picture 16">
-            <a:extLst>
-              <a:ext uri="{FF2B5EF4-FFF2-40B4-BE49-F238E27FC236}">
-                <a16:creationId xmlns:a16="http://schemas.microsoft.com/office/drawing/2014/main" id="{30D3CE81-9470-2907-FB7C-EDFCB11999D5}"/>
-              </a:ext>
-            </a:extLst>
-          </p:cNvPr>
-          <p:cNvPicPr>
-            <a:picLocks noChangeAspect="1" noChangeArrowheads="1"/>
-          </p:cNvPicPr>
-          <p:nvPr/>
-        </p:nvPicPr>
-        <p:blipFill>
-          <a:blip r:embed="rId4">
-            <a:extLst>
-              <a:ext uri="{28A0092B-C50C-407E-A947-70E740481C1C}">
-                <a14:useLocalDpi xmlns:a14="http://schemas.microsoft.com/office/drawing/2010/main" val="0"/>
-              </a:ext>
-            </a:extLst>
-          </a:blip>
-          <a:srcRect b="50589"/>
-          <a:stretch>
-            <a:fillRect/>
-          </a:stretch>
-        </p:blipFill>
-        <p:spPr bwMode="auto">
-          <a:xfrm>
-            <a:off x="2622550" y="1333500"/>
-            <a:ext cx="3778250" cy="2667000"/>
-          </a:xfrm>
-          <a:prstGeom prst="rect">
-            <a:avLst/>
-          </a:prstGeom>
-          <a:noFill/>
-          <a:extLst>
-            <a:ext uri="{909E8E84-426E-40DD-AFC4-6F175D3DCCD1}">
-              <a14:hiddenFill xmlns:a14="http://schemas.microsoft.com/office/drawing/2010/main">
-                <a:solidFill>
-                  <a:srgbClr val="FFFFFF"/>
-                </a:solidFill>
-              </a14:hiddenFill>
-            </a:ext>
-          </a:extLst>
-        </p:spPr>
-      </p:pic>
-      <p:pic>
-        <p:nvPicPr>
-          <p:cNvPr id="158738" name="Picture 18">
-            <a:extLst>
-              <a:ext uri="{FF2B5EF4-FFF2-40B4-BE49-F238E27FC236}">
-                <a16:creationId xmlns:a16="http://schemas.microsoft.com/office/drawing/2014/main" id="{A081297E-14AB-F1D8-E0F7-A14E26C5E7BC}"/>
-              </a:ext>
-            </a:extLst>
-          </p:cNvPr>
-          <p:cNvPicPr>
-            <a:picLocks noChangeAspect="1" noChangeArrowheads="1"/>
-          </p:cNvPicPr>
-          <p:nvPr/>
-        </p:nvPicPr>
-        <p:blipFill>
-          <a:blip r:embed="rId4">
-            <a:extLst>
-              <a:ext uri="{28A0092B-C50C-407E-A947-70E740481C1C}">
-                <a14:useLocalDpi xmlns:a14="http://schemas.microsoft.com/office/drawing/2010/main" val="0"/>
-              </a:ext>
-            </a:extLst>
-          </a:blip>
-          <a:srcRect t="49411"/>
-          <a:stretch>
-            <a:fillRect/>
-          </a:stretch>
-        </p:blipFill>
-        <p:spPr bwMode="auto">
-          <a:xfrm>
-            <a:off x="2619375" y="3962400"/>
-            <a:ext cx="3778250" cy="2730500"/>
-          </a:xfrm>
-          <a:prstGeom prst="rect">
-            <a:avLst/>
-          </a:prstGeom>
-          <a:noFill/>
-          <a:extLst>
-            <a:ext uri="{909E8E84-426E-40DD-AFC4-6F175D3DCCD1}">
-              <a14:hiddenFill xmlns:a14="http://schemas.microsoft.com/office/drawing/2010/main">
-                <a:solidFill>
-                  <a:srgbClr val="FFFFFF"/>
-                </a:solidFill>
-              </a14:hiddenFill>
-            </a:ext>
-          </a:extLst>
-        </p:spPr>
-      </p:pic>
-    </p:spTree>
-  </p:cSld>
-  <p:clrMapOvr>
-    <a:masterClrMapping/>
-  </p:clrMapOvr>
-  <p:timing>
-    <p:tnLst>
-      <p:par>
-        <p:cTn id="1" dur="indefinite" restart="never" nodeType="tmRoot">
-          <p:childTnLst>
-            <p:seq concurrent="1" nextAc="seek">
-              <p:cTn id="2" dur="indefinite" nodeType="mainSeq">
-                <p:childTnLst>
-                  <p:par>
-                    <p:cTn id="3" fill="hold" nodeType="clickPar">
-                      <p:stCondLst>
-                        <p:cond delay="indefinite"/>
-                      </p:stCondLst>
-                      <p:childTnLst>
-                        <p:par>
-                          <p:cTn id="4" fill="hold" nodeType="withGroup">
-                            <p:stCondLst>
-                              <p:cond delay="0"/>
-                            </p:stCondLst>
-                            <p:childTnLst>
-                              <p:par>
-                                <p:cTn id="5" presetID="1" presetClass="entr" presetSubtype="0" fill="hold" nodeType="clickEffect">
-                                  <p:stCondLst>
-                                    <p:cond delay="0"/>
-                                  </p:stCondLst>
-                                  <p:childTnLst>
-                                    <p:set>
-                                      <p:cBhvr>
-                                        <p:cTn id="6" dur="1" fill="hold">
-                                          <p:stCondLst>
-                                            <p:cond delay="0"/>
-                                          </p:stCondLst>
-                                        </p:cTn>
-                                        <p:tgtEl>
-                                          <p:spTgt spid="158736"/>
-                                        </p:tgtEl>
-                                        <p:attrNameLst>
-                                          <p:attrName>style.visibility</p:attrName>
-                                        </p:attrNameLst>
-                                      </p:cBhvr>
-                                      <p:to>
-                                        <p:strVal val="visible"/>
-                                      </p:to>
-                                    </p:set>
-                                  </p:childTnLst>
-                                </p:cTn>
-                              </p:par>
-                            </p:childTnLst>
-                          </p:cTn>
-                        </p:par>
-                      </p:childTnLst>
-                    </p:cTn>
-                  </p:par>
-                  <p:par>
-                    <p:cTn id="7" fill="hold" nodeType="clickPar">
-                      <p:stCondLst>
-                        <p:cond delay="indefinite"/>
-                      </p:stCondLst>
-                      <p:childTnLst>
-                        <p:par>
-                          <p:cTn id="8" fill="hold" nodeType="withGroup">
-                            <p:stCondLst>
-                              <p:cond delay="0"/>
-                            </p:stCondLst>
-                            <p:childTnLst>
-                              <p:par>
-                                <p:cTn id="9" presetID="1" presetClass="entr" presetSubtype="0" fill="hold" grpId="0" nodeType="clickEffect">
-                                  <p:stCondLst>
-                                    <p:cond delay="0"/>
-                                  </p:stCondLst>
-                                  <p:childTnLst>
-                                    <p:set>
-                                      <p:cBhvr>
-                                        <p:cTn id="10" dur="1" fill="hold">
-                                          <p:stCondLst>
-                                            <p:cond delay="0"/>
-                                          </p:stCondLst>
-                                        </p:cTn>
-                                        <p:tgtEl>
-                                          <p:spTgt spid="158733"/>
-                                        </p:tgtEl>
-                                        <p:attrNameLst>
-                                          <p:attrName>style.visibility</p:attrName>
-                                        </p:attrNameLst>
-                                      </p:cBhvr>
-                                      <p:to>
-                                        <p:strVal val="visible"/>
-                                      </p:to>
-                                    </p:set>
-                                  </p:childTnLst>
-                                </p:cTn>
-                              </p:par>
-                            </p:childTnLst>
-                          </p:cTn>
-                        </p:par>
-                      </p:childTnLst>
-                    </p:cTn>
-                  </p:par>
-                  <p:par>
-                    <p:cTn id="11" fill="hold" nodeType="clickPar">
-                      <p:stCondLst>
-                        <p:cond delay="indefinite"/>
-                      </p:stCondLst>
-                      <p:childTnLst>
-                        <p:par>
-                          <p:cTn id="12" fill="hold" nodeType="withGroup">
-                            <p:stCondLst>
-                              <p:cond delay="0"/>
-                            </p:stCondLst>
-                            <p:childTnLst>
-                              <p:par>
-                                <p:cTn id="13" presetID="1" presetClass="entr" presetSubtype="0" fill="hold" nodeType="clickEffect">
-                                  <p:stCondLst>
-                                    <p:cond delay="0"/>
-                                  </p:stCondLst>
-                                  <p:childTnLst>
-                                    <p:set>
-                                      <p:cBhvr>
-                                        <p:cTn id="14" dur="1" fill="hold">
-                                          <p:stCondLst>
-                                            <p:cond delay="0"/>
-                                          </p:stCondLst>
-                                        </p:cTn>
-                                        <p:tgtEl>
-                                          <p:spTgt spid="158738"/>
-                                        </p:tgtEl>
-                                        <p:attrNameLst>
-                                          <p:attrName>style.visibility</p:attrName>
-                                        </p:attrNameLst>
-                                      </p:cBhvr>
-                                      <p:to>
-                                        <p:strVal val="visible"/>
-                                      </p:to>
-                                    </p:set>
-                                  </p:childTnLst>
-                                </p:cTn>
-                              </p:par>
-                            </p:childTnLst>
-                          </p:cTn>
-                        </p:par>
-                      </p:childTnLst>
-                    </p:cTn>
-                  </p:par>
-                  <p:par>
-                    <p:cTn id="15" fill="hold" nodeType="clickPar">
-                      <p:stCondLst>
-                        <p:cond delay="indefinite"/>
-                      </p:stCondLst>
-                      <p:childTnLst>
-                        <p:par>
-                          <p:cTn id="16" fill="hold" nodeType="withGroup">
-                            <p:stCondLst>
-                              <p:cond delay="0"/>
-                            </p:stCondLst>
-                            <p:childTnLst>
-                              <p:par>
-                                <p:cTn id="17" presetID="1" presetClass="entr" presetSubtype="0" fill="hold" grpId="0" nodeType="clickEffect">
-                                  <p:stCondLst>
-                                    <p:cond delay="0"/>
-                                  </p:stCondLst>
-                                  <p:childTnLst>
-                                    <p:set>
-                                      <p:cBhvr>
-                                        <p:cTn id="18" dur="1" fill="hold">
-                                          <p:stCondLst>
-                                            <p:cond delay="0"/>
-                                          </p:stCondLst>
-                                        </p:cTn>
-                                        <p:tgtEl>
-                                          <p:spTgt spid="158734"/>
-                                        </p:tgtEl>
-                                        <p:attrNameLst>
-                                          <p:attrName>style.visibility</p:attrName>
-                                        </p:attrNameLst>
-                                      </p:cBhvr>
-                                      <p:to>
-                                        <p:strVal val="visible"/>
-                                      </p:to>
-                                    </p:set>
-                                  </p:childTnLst>
-                                </p:cTn>
-                              </p:par>
-                            </p:childTnLst>
-                          </p:cTn>
-                        </p:par>
-                      </p:childTnLst>
-                    </p:cTn>
-                  </p:par>
-                </p:childTnLst>
-              </p:cTn>
-              <p:prevCondLst>
-                <p:cond evt="onPrev" delay="0">
-                  <p:tgtEl>
-                    <p:sldTgt/>
-                  </p:tgtEl>
-                </p:cond>
-              </p:prevCondLst>
-              <p:nextCondLst>
-                <p:cond evt="onNext" delay="0">
-                  <p:tgtEl>
-                    <p:sldTgt/>
-                  </p:tgtEl>
-                </p:cond>
-              </p:nextCondLst>
-            </p:seq>
-          </p:childTnLst>
-        </p:cTn>
-      </p:par>
-    </p:tnLst>
-    <p:bldLst>
-      <p:bldP spid="158733" grpId="0" animBg="1"/>
-      <p:bldP spid="158734" grpId="0"/>
-    </p:bldLst>
-  </p:timing>
-</p:sld>
-</file>
-
-<file path=ppt/slides/slide20.xml><?xml version="1.0" encoding="utf-8"?>
+<file path=ppt/slides/slide21.xml><?xml version="1.0" encoding="utf-8"?>
 <p:sld xmlns:a="http://schemas.openxmlformats.org/drawingml/2006/main" xmlns:r="http://schemas.openxmlformats.org/officeDocument/2006/relationships" xmlns:p="http://schemas.openxmlformats.org/presentationml/2006/main">
   <p:cSld>
     <p:spTree>
@@ -17173,7 +16888,7 @@
 </p:sld>
 </file>
 
-<file path=ppt/slides/slide21.xml><?xml version="1.0" encoding="utf-8"?>
+<file path=ppt/slides/slide22.xml><?xml version="1.0" encoding="utf-8"?>
 <p:sld xmlns:a="http://schemas.openxmlformats.org/drawingml/2006/main" xmlns:r="http://schemas.openxmlformats.org/officeDocument/2006/relationships" xmlns:p="http://schemas.openxmlformats.org/presentationml/2006/main">
   <p:cSld>
     <p:spTree>
@@ -27963,7 +27678,7 @@
 </p:sld>
 </file>
 
-<file path=ppt/slides/slide22.xml><?xml version="1.0" encoding="utf-8"?>
+<file path=ppt/slides/slide23.xml><?xml version="1.0" encoding="utf-8"?>
 <p:sld xmlns:a="http://schemas.openxmlformats.org/drawingml/2006/main" xmlns:r="http://schemas.openxmlformats.org/officeDocument/2006/relationships" xmlns:p="http://schemas.openxmlformats.org/presentationml/2006/main">
   <p:cSld>
     <p:spTree>
@@ -28682,7 +28397,7 @@
 </p:sld>
 </file>
 
-<file path=ppt/slides/slide23.xml><?xml version="1.0" encoding="utf-8"?>
+<file path=ppt/slides/slide24.xml><?xml version="1.0" encoding="utf-8"?>
 <p:sld xmlns:a="http://schemas.openxmlformats.org/drawingml/2006/main" xmlns:r="http://schemas.openxmlformats.org/officeDocument/2006/relationships" xmlns:p="http://schemas.openxmlformats.org/presentationml/2006/main">
   <p:cSld>
     <p:spTree>
@@ -29199,7 +28914,7 @@
 </p:sld>
 </file>
 
-<file path=ppt/slides/slide24.xml><?xml version="1.0" encoding="utf-8"?>
+<file path=ppt/slides/slide25.xml><?xml version="1.0" encoding="utf-8"?>
 <p:sld xmlns:a="http://schemas.openxmlformats.org/drawingml/2006/main" xmlns:r="http://schemas.openxmlformats.org/officeDocument/2006/relationships" xmlns:p="http://schemas.openxmlformats.org/presentationml/2006/main">
   <p:cSld>
     <p:spTree>
@@ -29409,7 +29124,7 @@
 </p:sld>
 </file>
 
-<file path=ppt/slides/slide25.xml><?xml version="1.0" encoding="utf-8"?>
+<file path=ppt/slides/slide26.xml><?xml version="1.0" encoding="utf-8"?>
 <p:sld xmlns:a="http://schemas.openxmlformats.org/drawingml/2006/main" xmlns:r="http://schemas.openxmlformats.org/officeDocument/2006/relationships" xmlns:p="http://schemas.openxmlformats.org/presentationml/2006/main">
   <p:cSld>
     <p:spTree>
@@ -29965,7 +29680,102 @@
 </p:sld>
 </file>
 
-<file path=ppt/slides/slide26.xml><?xml version="1.0" encoding="utf-8"?>
+<file path=ppt/slides/slide27.xml><?xml version="1.0" encoding="utf-8"?>
+<p:sld xmlns:a="http://schemas.openxmlformats.org/drawingml/2006/main" xmlns:r="http://schemas.openxmlformats.org/officeDocument/2006/relationships" xmlns:p="http://schemas.openxmlformats.org/presentationml/2006/main">
+  <p:cSld>
+    <p:spTree>
+      <p:nvGrpSpPr>
+        <p:cNvPr id="1" name=""/>
+        <p:cNvGrpSpPr/>
+        <p:nvPr/>
+      </p:nvGrpSpPr>
+      <p:grpSpPr>
+        <a:xfrm>
+          <a:off x="0" y="0"/>
+          <a:ext cx="0" cy="0"/>
+          <a:chOff x="0" y="0"/>
+          <a:chExt cx="0" cy="0"/>
+        </a:xfrm>
+      </p:grpSpPr>
+      <p:sp>
+        <p:nvSpPr>
+          <p:cNvPr id="2" name="Title 1">
+            <a:extLst>
+              <a:ext uri="{FF2B5EF4-FFF2-40B4-BE49-F238E27FC236}">
+                <a16:creationId xmlns:a16="http://schemas.microsoft.com/office/drawing/2014/main" id="{716440C1-0067-FEDD-E226-5E2774F2E58A}"/>
+              </a:ext>
+            </a:extLst>
+          </p:cNvPr>
+          <p:cNvSpPr>
+            <a:spLocks noGrp="1"/>
+          </p:cNvSpPr>
+          <p:nvPr>
+            <p:ph type="ctrTitle"/>
+          </p:nvPr>
+        </p:nvSpPr>
+        <p:spPr/>
+        <p:txBody>
+          <a:bodyPr/>
+          <a:lstStyle/>
+          <a:p>
+            <a:r>
+              <a:rPr lang="en-GB" dirty="0"/>
+              <a:t>Part II – Python + </a:t>
+            </a:r>
+            <a:r>
+              <a:rPr lang="en-GB" dirty="0" err="1"/>
+              <a:t>MDTraj</a:t>
+            </a:r>
+            <a:endParaRPr lang="en-GB" dirty="0"/>
+          </a:p>
+        </p:txBody>
+      </p:sp>
+      <p:sp>
+        <p:nvSpPr>
+          <p:cNvPr id="3" name="Subtitle 2">
+            <a:extLst>
+              <a:ext uri="{FF2B5EF4-FFF2-40B4-BE49-F238E27FC236}">
+                <a16:creationId xmlns:a16="http://schemas.microsoft.com/office/drawing/2014/main" id="{A6DC37CD-A637-6108-0095-18765E599B13}"/>
+              </a:ext>
+            </a:extLst>
+          </p:cNvPr>
+          <p:cNvSpPr>
+            <a:spLocks noGrp="1"/>
+          </p:cNvSpPr>
+          <p:nvPr>
+            <p:ph type="subTitle" idx="1"/>
+          </p:nvPr>
+        </p:nvSpPr>
+        <p:spPr/>
+        <p:txBody>
+          <a:bodyPr/>
+          <a:lstStyle/>
+          <a:p>
+            <a:r>
+              <a:rPr lang="en-GB" dirty="0"/>
+              <a:t>See the </a:t>
+            </a:r>
+            <a:r>
+              <a:rPr lang="en-GB"/>
+              <a:t>online notebook</a:t>
+            </a:r>
+          </a:p>
+        </p:txBody>
+      </p:sp>
+    </p:spTree>
+    <p:extLst>
+      <p:ext uri="{BB962C8B-B14F-4D97-AF65-F5344CB8AC3E}">
+        <p14:creationId xmlns:p14="http://schemas.microsoft.com/office/powerpoint/2010/main" val="3811851494"/>
+      </p:ext>
+    </p:extLst>
+  </p:cSld>
+  <p:clrMapOvr>
+    <a:masterClrMapping/>
+  </p:clrMapOvr>
+</p:sld>
+</file>
+
+<file path=ppt/slides/slide28.xml><?xml version="1.0" encoding="utf-8"?>
 <p:sld xmlns:a="http://schemas.openxmlformats.org/drawingml/2006/main" xmlns:r="http://schemas.openxmlformats.org/officeDocument/2006/relationships" xmlns:p="http://schemas.openxmlformats.org/presentationml/2006/main">
   <p:cSld>
     <p:spTree>
@@ -29996,6 +29806,1249 @@
 </file>
 
 <file path=ppt/slides/slide3.xml><?xml version="1.0" encoding="utf-8"?>
+<p:sld xmlns:a="http://schemas.openxmlformats.org/drawingml/2006/main" xmlns:r="http://schemas.openxmlformats.org/officeDocument/2006/relationships" xmlns:p="http://schemas.openxmlformats.org/presentationml/2006/main">
+  <p:cSld>
+    <p:spTree>
+      <p:nvGrpSpPr>
+        <p:cNvPr id="1" name=""/>
+        <p:cNvGrpSpPr/>
+        <p:nvPr/>
+      </p:nvGrpSpPr>
+      <p:grpSpPr>
+        <a:xfrm>
+          <a:off x="0" y="0"/>
+          <a:ext cx="0" cy="0"/>
+          <a:chOff x="0" y="0"/>
+          <a:chExt cx="0" cy="0"/>
+        </a:xfrm>
+      </p:grpSpPr>
+      <p:sp>
+        <p:nvSpPr>
+          <p:cNvPr id="158722" name="Rectangle 2">
+            <a:extLst>
+              <a:ext uri="{FF2B5EF4-FFF2-40B4-BE49-F238E27FC236}">
+                <a16:creationId xmlns:a16="http://schemas.microsoft.com/office/drawing/2014/main" id="{9CF4FC03-7B61-94B9-1EF8-DD1219C7CD53}"/>
+              </a:ext>
+            </a:extLst>
+          </p:cNvPr>
+          <p:cNvSpPr>
+            <a:spLocks noGrp="1" noChangeArrowheads="1"/>
+          </p:cNvSpPr>
+          <p:nvPr>
+            <p:ph type="title"/>
+          </p:nvPr>
+        </p:nvSpPr>
+        <p:spPr/>
+        <p:txBody>
+          <a:bodyPr/>
+          <a:lstStyle/>
+          <a:p>
+            <a:r>
+              <a:rPr lang="it-IT" altLang="en-IT"/>
+              <a:t>Rationale for a Plumed-GUI</a:t>
+            </a:r>
+          </a:p>
+        </p:txBody>
+      </p:sp>
+      <p:grpSp>
+        <p:nvGrpSpPr>
+          <p:cNvPr id="158724" name="Group 4">
+            <a:extLst>
+              <a:ext uri="{FF2B5EF4-FFF2-40B4-BE49-F238E27FC236}">
+                <a16:creationId xmlns:a16="http://schemas.microsoft.com/office/drawing/2014/main" id="{14A34F29-3992-F065-6BEB-E02F5CBACA14}"/>
+              </a:ext>
+            </a:extLst>
+          </p:cNvPr>
+          <p:cNvGrpSpPr>
+            <a:grpSpLocks/>
+          </p:cNvGrpSpPr>
+          <p:nvPr/>
+        </p:nvGrpSpPr>
+        <p:grpSpPr bwMode="auto">
+          <a:xfrm>
+            <a:off x="152400" y="1600200"/>
+            <a:ext cx="2309813" cy="2362200"/>
+            <a:chOff x="0" y="0"/>
+            <a:chExt cx="2304" cy="2304"/>
+          </a:xfrm>
+        </p:grpSpPr>
+        <p:pic>
+          <p:nvPicPr>
+            <p:cNvPr id="158725" name="Picture 5">
+              <a:extLst>
+                <a:ext uri="{FF2B5EF4-FFF2-40B4-BE49-F238E27FC236}">
+                  <a16:creationId xmlns:a16="http://schemas.microsoft.com/office/drawing/2014/main" id="{E8DE3AF4-D20B-564E-22AE-894B486ED3FD}"/>
+                </a:ext>
+              </a:extLst>
+            </p:cNvPr>
+            <p:cNvPicPr>
+              <a:picLocks noChangeAspect="1" noChangeArrowheads="1"/>
+            </p:cNvPicPr>
+            <p:nvPr/>
+          </p:nvPicPr>
+          <p:blipFill>
+            <a:blip r:embed="rId2">
+              <a:extLst>
+                <a:ext uri="{28A0092B-C50C-407E-A947-70E740481C1C}">
+                  <a14:useLocalDpi xmlns:a14="http://schemas.microsoft.com/office/drawing/2010/main" val="0"/>
+                </a:ext>
+              </a:extLst>
+            </a:blip>
+            <a:srcRect/>
+            <a:stretch>
+              <a:fillRect/>
+            </a:stretch>
+          </p:blipFill>
+          <p:spPr bwMode="auto">
+            <a:xfrm>
+              <a:off x="0" y="0"/>
+              <a:ext cx="2304" cy="2304"/>
+            </a:xfrm>
+            <a:prstGeom prst="rect">
+              <a:avLst/>
+            </a:prstGeom>
+            <a:noFill/>
+            <a:extLst>
+              <a:ext uri="{909E8E84-426E-40DD-AFC4-6F175D3DCCD1}">
+                <a14:hiddenFill xmlns:a14="http://schemas.microsoft.com/office/drawing/2010/main">
+                  <a:solidFill>
+                    <a:srgbClr val="FFFFFF"/>
+                  </a:solidFill>
+                </a14:hiddenFill>
+              </a:ext>
+            </a:extLst>
+          </p:spPr>
+        </p:pic>
+        <p:sp>
+          <p:nvSpPr>
+            <p:cNvPr id="158726" name="Arc 6">
+              <a:extLst>
+                <a:ext uri="{FF2B5EF4-FFF2-40B4-BE49-F238E27FC236}">
+                  <a16:creationId xmlns:a16="http://schemas.microsoft.com/office/drawing/2014/main" id="{C4096DAE-E754-0B5D-DD64-C032A054EA96}"/>
+                </a:ext>
+              </a:extLst>
+            </p:cNvPr>
+            <p:cNvSpPr>
+              <a:spLocks/>
+            </p:cNvSpPr>
+            <p:nvPr/>
+          </p:nvSpPr>
+          <p:spPr bwMode="auto">
+            <a:xfrm rot="1800000">
+              <a:off x="1776" y="624"/>
+              <a:ext cx="384" cy="528"/>
+            </a:xfrm>
+            <a:custGeom>
+              <a:avLst/>
+              <a:gdLst>
+                <a:gd name="G0" fmla="+- 0 0 0"/>
+                <a:gd name="G1" fmla="+- 21600 0 0"/>
+                <a:gd name="G2" fmla="+- 21600 0 0"/>
+                <a:gd name="T0" fmla="*/ 0 w 21600"/>
+                <a:gd name="T1" fmla="*/ 0 h 21600"/>
+                <a:gd name="T2" fmla="*/ 21600 w 21600"/>
+                <a:gd name="T3" fmla="*/ 21600 h 21600"/>
+                <a:gd name="T4" fmla="*/ 0 w 21600"/>
+                <a:gd name="T5" fmla="*/ 21600 h 21600"/>
+              </a:gdLst>
+              <a:ahLst/>
+              <a:cxnLst>
+                <a:cxn ang="0">
+                  <a:pos x="T0" y="T1"/>
+                </a:cxn>
+                <a:cxn ang="0">
+                  <a:pos x="T2" y="T3"/>
+                </a:cxn>
+                <a:cxn ang="0">
+                  <a:pos x="T4" y="T5"/>
+                </a:cxn>
+              </a:cxnLst>
+              <a:rect l="0" t="0" r="r" b="b"/>
+              <a:pathLst>
+                <a:path w="21600" h="21600" fill="none" extrusionOk="0">
+                  <a:moveTo>
+                    <a:pt x="0" y="0"/>
+                  </a:moveTo>
+                  <a:cubicBezTo>
+                    <a:pt x="11929" y="0"/>
+                    <a:pt x="21600" y="9670"/>
+                    <a:pt x="21600" y="21600"/>
+                  </a:cubicBezTo>
+                </a:path>
+                <a:path w="21600" h="21600" stroke="0" extrusionOk="0">
+                  <a:moveTo>
+                    <a:pt x="0" y="0"/>
+                  </a:moveTo>
+                  <a:cubicBezTo>
+                    <a:pt x="11929" y="0"/>
+                    <a:pt x="21600" y="9670"/>
+                    <a:pt x="21600" y="21600"/>
+                  </a:cubicBezTo>
+                  <a:lnTo>
+                    <a:pt x="0" y="21600"/>
+                  </a:lnTo>
+                  <a:close/>
+                </a:path>
+              </a:pathLst>
+            </a:custGeom>
+            <a:noFill/>
+            <a:ln w="38100">
+              <a:solidFill>
+                <a:srgbClr val="CC0066"/>
+              </a:solidFill>
+              <a:round/>
+              <a:headEnd type="triangle" w="med" len="med"/>
+              <a:tailEnd type="triangle" w="med" len="med"/>
+            </a:ln>
+            <a:effectLst/>
+            <a:extLst>
+              <a:ext uri="{909E8E84-426E-40DD-AFC4-6F175D3DCCD1}">
+                <a14:hiddenFill xmlns:a14="http://schemas.microsoft.com/office/drawing/2010/main">
+                  <a:solidFill>
+                    <a:schemeClr val="accent1"/>
+                  </a:solidFill>
+                </a14:hiddenFill>
+              </a:ext>
+              <a:ext uri="{AF507438-7753-43E0-B8FC-AC1667EBCBE1}">
+                <a14:hiddenEffects xmlns:a14="http://schemas.microsoft.com/office/drawing/2010/main">
+                  <a:effectLst>
+                    <a:outerShdw dist="35921" dir="2700000" algn="ctr" rotWithShape="0">
+                      <a:schemeClr val="bg2"/>
+                    </a:outerShdw>
+                  </a:effectLst>
+                </a14:hiddenEffects>
+              </a:ext>
+            </a:extLst>
+          </p:spPr>
+          <p:txBody>
+            <a:bodyPr wrap="none" anchor="ctr"/>
+            <a:lstStyle/>
+            <a:p>
+              <a:pPr marL="0" marR="0" lvl="0" indent="0" algn="ctr" defTabSz="914400" rtl="0" eaLnBrk="1" fontAlgn="base" latinLnBrk="0" hangingPunct="1">
+                <a:lnSpc>
+                  <a:spcPct val="100000"/>
+                </a:lnSpc>
+                <a:spcBef>
+                  <a:spcPct val="0"/>
+                </a:spcBef>
+                <a:spcAft>
+                  <a:spcPct val="0"/>
+                </a:spcAft>
+                <a:buClrTx/>
+                <a:buSzTx/>
+                <a:buFontTx/>
+                <a:buNone/>
+                <a:tabLst/>
+                <a:defRPr/>
+              </a:pPr>
+              <a:endParaRPr kumimoji="0" lang="en-GB" sz="1800" b="0" i="0" u="none" strike="noStrike" kern="1200" cap="none" spc="0" normalizeH="0" baseline="0" noProof="0">
+                <a:ln>
+                  <a:noFill/>
+                </a:ln>
+                <a:solidFill>
+                  <a:srgbClr val="000000"/>
+                </a:solidFill>
+                <a:effectLst/>
+                <a:uLnTx/>
+                <a:uFillTx/>
+                <a:latin typeface="Arial" panose="020B0604020202020204" pitchFamily="34" charset="0"/>
+                <a:ea typeface="+mn-ea"/>
+                <a:cs typeface="Arial"/>
+              </a:endParaRPr>
+            </a:p>
+          </p:txBody>
+        </p:sp>
+        <p:sp>
+          <p:nvSpPr>
+            <p:cNvPr id="158727" name="Text Box 7">
+              <a:extLst>
+                <a:ext uri="{FF2B5EF4-FFF2-40B4-BE49-F238E27FC236}">
+                  <a16:creationId xmlns:a16="http://schemas.microsoft.com/office/drawing/2014/main" id="{C7C3C483-2A7F-D17B-7DFB-E986C5ED1338}"/>
+                </a:ext>
+              </a:extLst>
+            </p:cNvPr>
+            <p:cNvSpPr txBox="1">
+              <a:spLocks noChangeArrowheads="1"/>
+            </p:cNvSpPr>
+            <p:nvPr/>
+          </p:nvSpPr>
+          <p:spPr bwMode="auto">
+            <a:xfrm>
+              <a:off x="1926" y="311"/>
+              <a:ext cx="184" cy="328"/>
+            </a:xfrm>
+            <a:prstGeom prst="rect">
+              <a:avLst/>
+            </a:prstGeom>
+            <a:noFill/>
+            <a:ln>
+              <a:noFill/>
+            </a:ln>
+            <a:effectLst/>
+            <a:extLst>
+              <a:ext uri="{909E8E84-426E-40DD-AFC4-6F175D3DCCD1}">
+                <a14:hiddenFill xmlns:a14="http://schemas.microsoft.com/office/drawing/2010/main">
+                  <a:solidFill>
+                    <a:schemeClr val="accent1"/>
+                  </a:solidFill>
+                </a14:hiddenFill>
+              </a:ext>
+              <a:ext uri="{91240B29-F687-4F45-9708-019B960494DF}">
+                <a14:hiddenLine xmlns:a14="http://schemas.microsoft.com/office/drawing/2010/main" w="38100" algn="ctr">
+                  <a:solidFill>
+                    <a:srgbClr val="CC0066"/>
+                  </a:solidFill>
+                  <a:miter lim="800000"/>
+                  <a:headEnd/>
+                  <a:tailEnd/>
+                </a14:hiddenLine>
+              </a:ext>
+              <a:ext uri="{AF507438-7753-43E0-B8FC-AC1667EBCBE1}">
+                <a14:hiddenEffects xmlns:a14="http://schemas.microsoft.com/office/drawing/2010/main">
+                  <a:effectLst>
+                    <a:outerShdw dist="35921" dir="2700000" algn="ctr" rotWithShape="0">
+                      <a:schemeClr val="bg2"/>
+                    </a:outerShdw>
+                  </a:effectLst>
+                </a14:hiddenEffects>
+              </a:ext>
+            </a:extLst>
+          </p:spPr>
+          <p:txBody>
+            <a:bodyPr wrap="none">
+              <a:spAutoFit/>
+            </a:bodyPr>
+            <a:lstStyle/>
+            <a:p>
+              <a:pPr marL="0" marR="0" lvl="0" indent="0" algn="ctr" defTabSz="914400" rtl="0" eaLnBrk="1" fontAlgn="base" latinLnBrk="0" hangingPunct="1">
+                <a:lnSpc>
+                  <a:spcPct val="100000"/>
+                </a:lnSpc>
+                <a:spcBef>
+                  <a:spcPct val="0"/>
+                </a:spcBef>
+                <a:spcAft>
+                  <a:spcPct val="0"/>
+                </a:spcAft>
+                <a:buClrTx/>
+                <a:buSzTx/>
+                <a:buFontTx/>
+                <a:buNone/>
+                <a:tabLst/>
+                <a:defRPr/>
+              </a:pPr>
+              <a:endParaRPr kumimoji="0" lang="en-US" altLang="en-IT" sz="1600" b="0" i="0" u="none" strike="noStrike" kern="1200" cap="none" spc="0" normalizeH="0" baseline="0" noProof="0">
+                <a:ln>
+                  <a:noFill/>
+                </a:ln>
+                <a:solidFill>
+                  <a:srgbClr val="000000"/>
+                </a:solidFill>
+                <a:effectLst/>
+                <a:uLnTx/>
+                <a:uFillTx/>
+                <a:latin typeface="Arial" panose="020B0604020202020204" pitchFamily="34" charset="0"/>
+                <a:ea typeface="+mn-ea"/>
+                <a:cs typeface="Arial"/>
+              </a:endParaRPr>
+            </a:p>
+          </p:txBody>
+        </p:sp>
+        <p:sp>
+          <p:nvSpPr>
+            <p:cNvPr id="158728" name="Text Box 8">
+              <a:extLst>
+                <a:ext uri="{FF2B5EF4-FFF2-40B4-BE49-F238E27FC236}">
+                  <a16:creationId xmlns:a16="http://schemas.microsoft.com/office/drawing/2014/main" id="{F9305A49-03C9-3D5F-5AD1-674F85DC8E63}"/>
+                </a:ext>
+              </a:extLst>
+            </p:cNvPr>
+            <p:cNvSpPr txBox="1">
+              <a:spLocks noChangeArrowheads="1"/>
+            </p:cNvSpPr>
+            <p:nvPr/>
+          </p:nvSpPr>
+          <p:spPr bwMode="auto">
+            <a:xfrm>
+              <a:off x="1878" y="1536"/>
+              <a:ext cx="184" cy="328"/>
+            </a:xfrm>
+            <a:prstGeom prst="rect">
+              <a:avLst/>
+            </a:prstGeom>
+            <a:noFill/>
+            <a:ln>
+              <a:noFill/>
+            </a:ln>
+            <a:effectLst/>
+            <a:extLst>
+              <a:ext uri="{909E8E84-426E-40DD-AFC4-6F175D3DCCD1}">
+                <a14:hiddenFill xmlns:a14="http://schemas.microsoft.com/office/drawing/2010/main">
+                  <a:solidFill>
+                    <a:schemeClr val="accent1"/>
+                  </a:solidFill>
+                </a14:hiddenFill>
+              </a:ext>
+              <a:ext uri="{91240B29-F687-4F45-9708-019B960494DF}">
+                <a14:hiddenLine xmlns:a14="http://schemas.microsoft.com/office/drawing/2010/main" w="38100" algn="ctr">
+                  <a:solidFill>
+                    <a:srgbClr val="CC0066"/>
+                  </a:solidFill>
+                  <a:miter lim="800000"/>
+                  <a:headEnd/>
+                  <a:tailEnd/>
+                </a14:hiddenLine>
+              </a:ext>
+              <a:ext uri="{AF507438-7753-43E0-B8FC-AC1667EBCBE1}">
+                <a14:hiddenEffects xmlns:a14="http://schemas.microsoft.com/office/drawing/2010/main">
+                  <a:effectLst>
+                    <a:outerShdw dist="35921" dir="2700000" algn="ctr" rotWithShape="0">
+                      <a:schemeClr val="bg2"/>
+                    </a:outerShdw>
+                  </a:effectLst>
+                </a14:hiddenEffects>
+              </a:ext>
+            </a:extLst>
+          </p:spPr>
+          <p:txBody>
+            <a:bodyPr wrap="none">
+              <a:spAutoFit/>
+            </a:bodyPr>
+            <a:lstStyle/>
+            <a:p>
+              <a:pPr marL="0" marR="0" lvl="0" indent="0" algn="ctr" defTabSz="914400" rtl="0" eaLnBrk="1" fontAlgn="base" latinLnBrk="0" hangingPunct="1">
+                <a:lnSpc>
+                  <a:spcPct val="100000"/>
+                </a:lnSpc>
+                <a:spcBef>
+                  <a:spcPct val="0"/>
+                </a:spcBef>
+                <a:spcAft>
+                  <a:spcPct val="0"/>
+                </a:spcAft>
+                <a:buClrTx/>
+                <a:buSzTx/>
+                <a:buFontTx/>
+                <a:buNone/>
+                <a:tabLst/>
+                <a:defRPr/>
+              </a:pPr>
+              <a:endParaRPr kumimoji="0" lang="en-US" altLang="en-IT" sz="1600" b="0" i="0" u="none" strike="noStrike" kern="1200" cap="none" spc="0" normalizeH="0" baseline="0" noProof="0">
+                <a:ln>
+                  <a:noFill/>
+                </a:ln>
+                <a:solidFill>
+                  <a:srgbClr val="000000"/>
+                </a:solidFill>
+                <a:effectLst/>
+                <a:uLnTx/>
+                <a:uFillTx/>
+                <a:latin typeface="Arial" panose="020B0604020202020204" pitchFamily="34" charset="0"/>
+                <a:ea typeface="+mn-ea"/>
+                <a:cs typeface="Arial"/>
+              </a:endParaRPr>
+            </a:p>
+          </p:txBody>
+        </p:sp>
+      </p:grpSp>
+      <p:pic>
+        <p:nvPicPr>
+          <p:cNvPr id="158730" name="Picture 10">
+            <a:extLst>
+              <a:ext uri="{FF2B5EF4-FFF2-40B4-BE49-F238E27FC236}">
+                <a16:creationId xmlns:a16="http://schemas.microsoft.com/office/drawing/2014/main" id="{83038D19-2723-6D3A-CE2B-E5B1DC2CA9D8}"/>
+              </a:ext>
+            </a:extLst>
+          </p:cNvPr>
+          <p:cNvPicPr>
+            <a:picLocks noChangeAspect="1" noChangeArrowheads="1"/>
+          </p:cNvPicPr>
+          <p:nvPr/>
+        </p:nvPicPr>
+        <p:blipFill>
+          <a:blip r:embed="rId3">
+            <a:extLst>
+              <a:ext uri="{28A0092B-C50C-407E-A947-70E740481C1C}">
+                <a14:useLocalDpi xmlns:a14="http://schemas.microsoft.com/office/drawing/2010/main" val="0"/>
+              </a:ext>
+            </a:extLst>
+          </a:blip>
+          <a:srcRect/>
+          <a:stretch>
+            <a:fillRect/>
+          </a:stretch>
+        </p:blipFill>
+        <p:spPr bwMode="auto">
+          <a:xfrm>
+            <a:off x="304800" y="4191000"/>
+            <a:ext cx="2166938" cy="2057400"/>
+          </a:xfrm>
+          <a:prstGeom prst="rect">
+            <a:avLst/>
+          </a:prstGeom>
+          <a:noFill/>
+          <a:extLst>
+            <a:ext uri="{909E8E84-426E-40DD-AFC4-6F175D3DCCD1}">
+              <a14:hiddenFill xmlns:a14="http://schemas.microsoft.com/office/drawing/2010/main">
+                <a:solidFill>
+                  <a:srgbClr val="FFFFFF"/>
+                </a:solidFill>
+              </a14:hiddenFill>
+            </a:ext>
+          </a:extLst>
+        </p:spPr>
+      </p:pic>
+      <p:sp>
+        <p:nvSpPr>
+          <p:cNvPr id="158733" name="Text Box 13">
+            <a:extLst>
+              <a:ext uri="{FF2B5EF4-FFF2-40B4-BE49-F238E27FC236}">
+                <a16:creationId xmlns:a16="http://schemas.microsoft.com/office/drawing/2014/main" id="{B559C181-0298-C57C-A0B9-9AFEE52F318D}"/>
+              </a:ext>
+            </a:extLst>
+          </p:cNvPr>
+          <p:cNvSpPr txBox="1">
+            <a:spLocks noChangeArrowheads="1"/>
+          </p:cNvSpPr>
+          <p:nvPr/>
+        </p:nvSpPr>
+        <p:spPr bwMode="auto">
+          <a:xfrm>
+            <a:off x="6440488" y="1577975"/>
+            <a:ext cx="2487612" cy="2178050"/>
+          </a:xfrm>
+          <a:prstGeom prst="rect">
+            <a:avLst/>
+          </a:prstGeom>
+          <a:noFill/>
+          <a:ln w="28575" algn="ctr">
+            <a:solidFill>
+              <a:schemeClr val="accent2"/>
+            </a:solidFill>
+            <a:miter lim="800000"/>
+            <a:headEnd/>
+            <a:tailEnd/>
+          </a:ln>
+          <a:effectLst/>
+          <a:extLst>
+            <a:ext uri="{909E8E84-426E-40DD-AFC4-6F175D3DCCD1}">
+              <a14:hiddenFill xmlns:a14="http://schemas.microsoft.com/office/drawing/2010/main">
+                <a:solidFill>
+                  <a:srgbClr val="FFFFFF"/>
+                </a:solidFill>
+              </a14:hiddenFill>
+            </a:ext>
+            <a:ext uri="{AF507438-7753-43E0-B8FC-AC1667EBCBE1}">
+              <a14:hiddenEffects xmlns:a14="http://schemas.microsoft.com/office/drawing/2010/main">
+                <a:effectLst>
+                  <a:outerShdw dist="35921" dir="2700000" algn="ctr" rotWithShape="0">
+                    <a:schemeClr val="bg2"/>
+                  </a:outerShdw>
+                </a:effectLst>
+              </a14:hiddenEffects>
+            </a:ext>
+          </a:extLst>
+        </p:spPr>
+        <p:txBody>
+          <a:bodyPr anchor="ctr" anchorCtr="1"/>
+          <a:lstStyle/>
+          <a:p>
+            <a:pPr marL="0" marR="0" lvl="0" indent="0" algn="l" defTabSz="914400" rtl="0" eaLnBrk="1" fontAlgn="base" latinLnBrk="0" hangingPunct="1">
+              <a:lnSpc>
+                <a:spcPct val="100000"/>
+              </a:lnSpc>
+              <a:spcBef>
+                <a:spcPct val="0"/>
+              </a:spcBef>
+              <a:spcAft>
+                <a:spcPct val="0"/>
+              </a:spcAft>
+              <a:buClrTx/>
+              <a:buSzTx/>
+              <a:buFontTx/>
+              <a:buChar char="•"/>
+              <a:tabLst/>
+              <a:defRPr/>
+            </a:pPr>
+            <a:r>
+              <a:rPr kumimoji="0" lang="en-US" altLang="en-IT" sz="2400" b="0" i="0" u="none" strike="noStrike" kern="1200" cap="none" spc="0" normalizeH="0" baseline="0" noProof="0">
+                <a:ln>
+                  <a:noFill/>
+                </a:ln>
+                <a:solidFill>
+                  <a:srgbClr val="000000"/>
+                </a:solidFill>
+                <a:effectLst/>
+                <a:uLnTx/>
+                <a:uFillTx/>
+                <a:latin typeface="Arial" panose="020B0604020202020204" pitchFamily="34" charset="0"/>
+                <a:ea typeface="+mn-ea"/>
+                <a:cs typeface="Arial"/>
+              </a:rPr>
+              <a:t> Local RMSD</a:t>
+            </a:r>
+          </a:p>
+          <a:p>
+            <a:pPr marL="0" marR="0" lvl="0" indent="0" algn="l" defTabSz="914400" rtl="0" eaLnBrk="1" fontAlgn="base" latinLnBrk="0" hangingPunct="1">
+              <a:lnSpc>
+                <a:spcPct val="100000"/>
+              </a:lnSpc>
+              <a:spcBef>
+                <a:spcPct val="0"/>
+              </a:spcBef>
+              <a:spcAft>
+                <a:spcPct val="0"/>
+              </a:spcAft>
+              <a:buClrTx/>
+              <a:buSzTx/>
+              <a:buFontTx/>
+              <a:buChar char="•"/>
+              <a:tabLst/>
+              <a:defRPr/>
+            </a:pPr>
+            <a:r>
+              <a:rPr kumimoji="0" lang="en-US" altLang="en-IT" sz="2400" b="0" i="0" u="none" strike="noStrike" kern="1200" cap="none" spc="0" normalizeH="0" baseline="0" noProof="0">
+                <a:ln>
+                  <a:noFill/>
+                </a:ln>
+                <a:solidFill>
+                  <a:srgbClr val="000000"/>
+                </a:solidFill>
+                <a:effectLst/>
+                <a:uLnTx/>
+                <a:uFillTx/>
+                <a:latin typeface="Arial" panose="020B0604020202020204" pitchFamily="34" charset="0"/>
+                <a:ea typeface="+mn-ea"/>
+                <a:cs typeface="Arial"/>
+              </a:rPr>
+              <a:t> Contacts</a:t>
+            </a:r>
+          </a:p>
+          <a:p>
+            <a:pPr marL="0" marR="0" lvl="0" indent="0" algn="l" defTabSz="914400" rtl="0" eaLnBrk="1" fontAlgn="base" latinLnBrk="0" hangingPunct="1">
+              <a:lnSpc>
+                <a:spcPct val="100000"/>
+              </a:lnSpc>
+              <a:spcBef>
+                <a:spcPct val="0"/>
+              </a:spcBef>
+              <a:spcAft>
+                <a:spcPct val="0"/>
+              </a:spcAft>
+              <a:buClrTx/>
+              <a:buSzTx/>
+              <a:buFontTx/>
+              <a:buChar char="•"/>
+              <a:tabLst/>
+              <a:defRPr/>
+            </a:pPr>
+            <a:r>
+              <a:rPr kumimoji="0" lang="en-US" altLang="en-IT" sz="2400" b="0" i="0" u="none" strike="noStrike" kern="1200" cap="none" spc="0" normalizeH="0" baseline="0" noProof="0">
+                <a:ln>
+                  <a:noFill/>
+                </a:ln>
+                <a:solidFill>
+                  <a:srgbClr val="000000"/>
+                </a:solidFill>
+                <a:effectLst/>
+                <a:uLnTx/>
+                <a:uFillTx/>
+                <a:latin typeface="Arial" panose="020B0604020202020204" pitchFamily="34" charset="0"/>
+                <a:ea typeface="+mn-ea"/>
+                <a:cs typeface="Arial"/>
+              </a:rPr>
+              <a:t> Native contacts</a:t>
+            </a:r>
+          </a:p>
+          <a:p>
+            <a:pPr marL="0" marR="0" lvl="0" indent="0" algn="l" defTabSz="914400" rtl="0" eaLnBrk="1" fontAlgn="base" latinLnBrk="0" hangingPunct="1">
+              <a:lnSpc>
+                <a:spcPct val="100000"/>
+              </a:lnSpc>
+              <a:spcBef>
+                <a:spcPct val="0"/>
+              </a:spcBef>
+              <a:spcAft>
+                <a:spcPct val="0"/>
+              </a:spcAft>
+              <a:buClrTx/>
+              <a:buSzTx/>
+              <a:buFontTx/>
+              <a:buChar char="•"/>
+              <a:tabLst/>
+              <a:defRPr/>
+            </a:pPr>
+            <a:r>
+              <a:rPr kumimoji="0" lang="en-US" altLang="en-IT" sz="2400" b="0" i="0" u="none" strike="noStrike" kern="1200" cap="none" spc="0" normalizeH="0" baseline="0" noProof="0">
+                <a:ln>
+                  <a:noFill/>
+                </a:ln>
+                <a:solidFill>
+                  <a:srgbClr val="000000"/>
+                </a:solidFill>
+                <a:effectLst/>
+                <a:uLnTx/>
+                <a:uFillTx/>
+                <a:latin typeface="Arial" panose="020B0604020202020204" pitchFamily="34" charset="0"/>
+                <a:ea typeface="+mn-ea"/>
+                <a:cs typeface="Arial"/>
+              </a:rPr>
+              <a:t> Hydration</a:t>
+            </a:r>
+          </a:p>
+          <a:p>
+            <a:pPr marL="0" marR="0" lvl="0" indent="0" algn="l" defTabSz="914400" rtl="0" eaLnBrk="1" fontAlgn="base" latinLnBrk="0" hangingPunct="1">
+              <a:lnSpc>
+                <a:spcPct val="100000"/>
+              </a:lnSpc>
+              <a:spcBef>
+                <a:spcPct val="0"/>
+              </a:spcBef>
+              <a:spcAft>
+                <a:spcPct val="0"/>
+              </a:spcAft>
+              <a:buClrTx/>
+              <a:buSzTx/>
+              <a:buFontTx/>
+              <a:buChar char="•"/>
+              <a:tabLst/>
+              <a:defRPr/>
+            </a:pPr>
+            <a:r>
+              <a:rPr kumimoji="0" lang="en-US" altLang="en-IT" sz="2400" b="0" i="0" u="none" strike="noStrike" kern="1200" cap="none" spc="0" normalizeH="0" baseline="0" noProof="0">
+                <a:ln>
+                  <a:noFill/>
+                </a:ln>
+                <a:solidFill>
+                  <a:srgbClr val="000000"/>
+                </a:solidFill>
+                <a:effectLst/>
+                <a:uLnTx/>
+                <a:uFillTx/>
+                <a:latin typeface="Arial" panose="020B0604020202020204" pitchFamily="34" charset="0"/>
+                <a:ea typeface="+mn-ea"/>
+                <a:cs typeface="Arial"/>
+              </a:rPr>
+              <a:t> …</a:t>
+            </a:r>
+          </a:p>
+        </p:txBody>
+      </p:sp>
+      <p:sp>
+        <p:nvSpPr>
+          <p:cNvPr id="158734" name="Text Box 14">
+            <a:extLst>
+              <a:ext uri="{FF2B5EF4-FFF2-40B4-BE49-F238E27FC236}">
+                <a16:creationId xmlns:a16="http://schemas.microsoft.com/office/drawing/2014/main" id="{2A3D3D06-F0C8-21A8-8764-1C2B28C1811C}"/>
+              </a:ext>
+            </a:extLst>
+          </p:cNvPr>
+          <p:cNvSpPr txBox="1">
+            <a:spLocks noChangeArrowheads="1"/>
+          </p:cNvSpPr>
+          <p:nvPr/>
+        </p:nvSpPr>
+        <p:spPr bwMode="auto">
+          <a:xfrm>
+            <a:off x="6248400" y="4603750"/>
+            <a:ext cx="2917825" cy="1187450"/>
+          </a:xfrm>
+          <a:prstGeom prst="rect">
+            <a:avLst/>
+          </a:prstGeom>
+          <a:noFill/>
+          <a:ln>
+            <a:noFill/>
+          </a:ln>
+          <a:effectLst/>
+          <a:extLst>
+            <a:ext uri="{909E8E84-426E-40DD-AFC4-6F175D3DCCD1}">
+              <a14:hiddenFill xmlns:a14="http://schemas.microsoft.com/office/drawing/2010/main">
+                <a:solidFill>
+                  <a:srgbClr val="FFFFFF"/>
+                </a:solidFill>
+              </a14:hiddenFill>
+            </a:ext>
+            <a:ext uri="{91240B29-F687-4F45-9708-019B960494DF}">
+              <a14:hiddenLine xmlns:a14="http://schemas.microsoft.com/office/drawing/2010/main" w="38100" algn="ctr">
+                <a:solidFill>
+                  <a:schemeClr val="accent2"/>
+                </a:solidFill>
+                <a:miter lim="800000"/>
+                <a:headEnd/>
+                <a:tailEnd/>
+              </a14:hiddenLine>
+            </a:ext>
+            <a:ext uri="{AF507438-7753-43E0-B8FC-AC1667EBCBE1}">
+              <a14:hiddenEffects xmlns:a14="http://schemas.microsoft.com/office/drawing/2010/main">
+                <a:effectLst>
+                  <a:outerShdw dist="35921" dir="2700000" algn="ctr" rotWithShape="0">
+                    <a:schemeClr val="bg2"/>
+                  </a:outerShdw>
+                </a:effectLst>
+              </a14:hiddenEffects>
+            </a:ext>
+          </a:extLst>
+        </p:spPr>
+        <p:txBody>
+          <a:bodyPr>
+            <a:spAutoFit/>
+          </a:bodyPr>
+          <a:lstStyle/>
+          <a:p>
+            <a:pPr marL="0" marR="0" lvl="0" indent="0" algn="ctr" defTabSz="914400" rtl="0" eaLnBrk="1" fontAlgn="base" latinLnBrk="0" hangingPunct="1">
+              <a:lnSpc>
+                <a:spcPct val="100000"/>
+              </a:lnSpc>
+              <a:spcBef>
+                <a:spcPct val="0"/>
+              </a:spcBef>
+              <a:spcAft>
+                <a:spcPct val="0"/>
+              </a:spcAft>
+              <a:buClrTx/>
+              <a:buSzTx/>
+              <a:buFontTx/>
+              <a:buNone/>
+              <a:tabLst/>
+              <a:defRPr/>
+            </a:pPr>
+            <a:r>
+              <a:rPr kumimoji="0" lang="en-US" altLang="en-IT" sz="2400" b="0" i="1" u="none" strike="noStrike" kern="1200" cap="none" spc="0" normalizeH="0" baseline="0" noProof="0">
+                <a:ln>
+                  <a:noFill/>
+                </a:ln>
+                <a:solidFill>
+                  <a:srgbClr val="000000"/>
+                </a:solidFill>
+                <a:effectLst/>
+                <a:uLnTx/>
+                <a:uFillTx/>
+                <a:latin typeface="Arial" panose="020B0604020202020204" pitchFamily="34" charset="0"/>
+                <a:ea typeface="+mn-ea"/>
+                <a:cs typeface="Arial"/>
+              </a:rPr>
+              <a:t>All of them seem good ideas… until you try them</a:t>
+            </a:r>
+          </a:p>
+        </p:txBody>
+      </p:sp>
+      <p:sp>
+        <p:nvSpPr>
+          <p:cNvPr id="158735" name="Text Box 15">
+            <a:extLst>
+              <a:ext uri="{FF2B5EF4-FFF2-40B4-BE49-F238E27FC236}">
+                <a16:creationId xmlns:a16="http://schemas.microsoft.com/office/drawing/2014/main" id="{04D4F069-895D-031A-3416-C346CC45DCA5}"/>
+              </a:ext>
+            </a:extLst>
+          </p:cNvPr>
+          <p:cNvSpPr txBox="1">
+            <a:spLocks noChangeArrowheads="1"/>
+          </p:cNvSpPr>
+          <p:nvPr/>
+        </p:nvSpPr>
+        <p:spPr bwMode="auto">
+          <a:xfrm>
+            <a:off x="76200" y="6415088"/>
+            <a:ext cx="3886200" cy="336550"/>
+          </a:xfrm>
+          <a:prstGeom prst="rect">
+            <a:avLst/>
+          </a:prstGeom>
+          <a:noFill/>
+          <a:ln>
+            <a:noFill/>
+          </a:ln>
+          <a:effectLst/>
+          <a:extLst>
+            <a:ext uri="{909E8E84-426E-40DD-AFC4-6F175D3DCCD1}">
+              <a14:hiddenFill xmlns:a14="http://schemas.microsoft.com/office/drawing/2010/main">
+                <a:solidFill>
+                  <a:schemeClr val="accent1"/>
+                </a:solidFill>
+              </a14:hiddenFill>
+            </a:ext>
+            <a:ext uri="{91240B29-F687-4F45-9708-019B960494DF}">
+              <a14:hiddenLine xmlns:a14="http://schemas.microsoft.com/office/drawing/2010/main" w="38100" algn="ctr">
+                <a:solidFill>
+                  <a:srgbClr val="CC0099"/>
+                </a:solidFill>
+                <a:miter lim="800000"/>
+                <a:headEnd/>
+                <a:tailEnd/>
+              </a14:hiddenLine>
+            </a:ext>
+            <a:ext uri="{AF507438-7753-43E0-B8FC-AC1667EBCBE1}">
+              <a14:hiddenEffects xmlns:a14="http://schemas.microsoft.com/office/drawing/2010/main">
+                <a:effectLst>
+                  <a:outerShdw dist="35921" dir="2700000" algn="ctr" rotWithShape="0">
+                    <a:schemeClr val="bg2"/>
+                  </a:outerShdw>
+                </a:effectLst>
+              </a14:hiddenEffects>
+            </a:ext>
+          </a:extLst>
+        </p:spPr>
+        <p:txBody>
+          <a:bodyPr>
+            <a:spAutoFit/>
+          </a:bodyPr>
+          <a:lstStyle/>
+          <a:p>
+            <a:pPr marL="0" marR="0" lvl="0" indent="0" algn="l" defTabSz="914400" rtl="0" eaLnBrk="1" fontAlgn="base" latinLnBrk="0" hangingPunct="1">
+              <a:lnSpc>
+                <a:spcPct val="100000"/>
+              </a:lnSpc>
+              <a:spcBef>
+                <a:spcPct val="50000"/>
+              </a:spcBef>
+              <a:spcAft>
+                <a:spcPct val="0"/>
+              </a:spcAft>
+              <a:buClrTx/>
+              <a:buSzTx/>
+              <a:buFontTx/>
+              <a:buNone/>
+              <a:tabLst/>
+              <a:defRPr/>
+            </a:pPr>
+            <a:r>
+              <a:rPr kumimoji="0" lang="it-IT" altLang="en-IT" sz="1600" b="0" i="0" u="none" strike="noStrike" kern="1200" cap="none" spc="0" normalizeH="0" baseline="0" noProof="0">
+                <a:ln>
+                  <a:noFill/>
+                </a:ln>
+                <a:solidFill>
+                  <a:srgbClr val="000000"/>
+                </a:solidFill>
+                <a:effectLst/>
+                <a:uLnTx/>
+                <a:uFillTx/>
+                <a:latin typeface="Arial" panose="020B0604020202020204" pitchFamily="34" charset="0"/>
+                <a:ea typeface="+mn-ea"/>
+                <a:cs typeface="Arial"/>
+              </a:rPr>
+              <a:t>Giorgino et al., JCTC 2012</a:t>
+            </a:r>
+          </a:p>
+        </p:txBody>
+      </p:sp>
+      <p:pic>
+        <p:nvPicPr>
+          <p:cNvPr id="158736" name="Picture 16">
+            <a:extLst>
+              <a:ext uri="{FF2B5EF4-FFF2-40B4-BE49-F238E27FC236}">
+                <a16:creationId xmlns:a16="http://schemas.microsoft.com/office/drawing/2014/main" id="{30D3CE81-9470-2907-FB7C-EDFCB11999D5}"/>
+              </a:ext>
+            </a:extLst>
+          </p:cNvPr>
+          <p:cNvPicPr>
+            <a:picLocks noChangeAspect="1" noChangeArrowheads="1"/>
+          </p:cNvPicPr>
+          <p:nvPr/>
+        </p:nvPicPr>
+        <p:blipFill>
+          <a:blip r:embed="rId4">
+            <a:extLst>
+              <a:ext uri="{28A0092B-C50C-407E-A947-70E740481C1C}">
+                <a14:useLocalDpi xmlns:a14="http://schemas.microsoft.com/office/drawing/2010/main" val="0"/>
+              </a:ext>
+            </a:extLst>
+          </a:blip>
+          <a:srcRect b="50589"/>
+          <a:stretch>
+            <a:fillRect/>
+          </a:stretch>
+        </p:blipFill>
+        <p:spPr bwMode="auto">
+          <a:xfrm>
+            <a:off x="2622550" y="1333500"/>
+            <a:ext cx="3778250" cy="2667000"/>
+          </a:xfrm>
+          <a:prstGeom prst="rect">
+            <a:avLst/>
+          </a:prstGeom>
+          <a:noFill/>
+          <a:extLst>
+            <a:ext uri="{909E8E84-426E-40DD-AFC4-6F175D3DCCD1}">
+              <a14:hiddenFill xmlns:a14="http://schemas.microsoft.com/office/drawing/2010/main">
+                <a:solidFill>
+                  <a:srgbClr val="FFFFFF"/>
+                </a:solidFill>
+              </a14:hiddenFill>
+            </a:ext>
+          </a:extLst>
+        </p:spPr>
+      </p:pic>
+      <p:pic>
+        <p:nvPicPr>
+          <p:cNvPr id="158738" name="Picture 18">
+            <a:extLst>
+              <a:ext uri="{FF2B5EF4-FFF2-40B4-BE49-F238E27FC236}">
+                <a16:creationId xmlns:a16="http://schemas.microsoft.com/office/drawing/2014/main" id="{A081297E-14AB-F1D8-E0F7-A14E26C5E7BC}"/>
+              </a:ext>
+            </a:extLst>
+          </p:cNvPr>
+          <p:cNvPicPr>
+            <a:picLocks noChangeAspect="1" noChangeArrowheads="1"/>
+          </p:cNvPicPr>
+          <p:nvPr/>
+        </p:nvPicPr>
+        <p:blipFill>
+          <a:blip r:embed="rId4">
+            <a:extLst>
+              <a:ext uri="{28A0092B-C50C-407E-A947-70E740481C1C}">
+                <a14:useLocalDpi xmlns:a14="http://schemas.microsoft.com/office/drawing/2010/main" val="0"/>
+              </a:ext>
+            </a:extLst>
+          </a:blip>
+          <a:srcRect t="49411"/>
+          <a:stretch>
+            <a:fillRect/>
+          </a:stretch>
+        </p:blipFill>
+        <p:spPr bwMode="auto">
+          <a:xfrm>
+            <a:off x="2619375" y="3962400"/>
+            <a:ext cx="3778250" cy="2730500"/>
+          </a:xfrm>
+          <a:prstGeom prst="rect">
+            <a:avLst/>
+          </a:prstGeom>
+          <a:noFill/>
+          <a:extLst>
+            <a:ext uri="{909E8E84-426E-40DD-AFC4-6F175D3DCCD1}">
+              <a14:hiddenFill xmlns:a14="http://schemas.microsoft.com/office/drawing/2010/main">
+                <a:solidFill>
+                  <a:srgbClr val="FFFFFF"/>
+                </a:solidFill>
+              </a14:hiddenFill>
+            </a:ext>
+          </a:extLst>
+        </p:spPr>
+      </p:pic>
+    </p:spTree>
+  </p:cSld>
+  <p:clrMapOvr>
+    <a:masterClrMapping/>
+  </p:clrMapOvr>
+  <p:timing>
+    <p:tnLst>
+      <p:par>
+        <p:cTn id="1" dur="indefinite" restart="never" nodeType="tmRoot">
+          <p:childTnLst>
+            <p:seq concurrent="1" nextAc="seek">
+              <p:cTn id="2" dur="indefinite" nodeType="mainSeq">
+                <p:childTnLst>
+                  <p:par>
+                    <p:cTn id="3" fill="hold" nodeType="clickPar">
+                      <p:stCondLst>
+                        <p:cond delay="indefinite"/>
+                      </p:stCondLst>
+                      <p:childTnLst>
+                        <p:par>
+                          <p:cTn id="4" fill="hold" nodeType="withGroup">
+                            <p:stCondLst>
+                              <p:cond delay="0"/>
+                            </p:stCondLst>
+                            <p:childTnLst>
+                              <p:par>
+                                <p:cTn id="5" presetID="1" presetClass="entr" presetSubtype="0" fill="hold" nodeType="clickEffect">
+                                  <p:stCondLst>
+                                    <p:cond delay="0"/>
+                                  </p:stCondLst>
+                                  <p:childTnLst>
+                                    <p:set>
+                                      <p:cBhvr>
+                                        <p:cTn id="6" dur="1" fill="hold">
+                                          <p:stCondLst>
+                                            <p:cond delay="0"/>
+                                          </p:stCondLst>
+                                        </p:cTn>
+                                        <p:tgtEl>
+                                          <p:spTgt spid="158736"/>
+                                        </p:tgtEl>
+                                        <p:attrNameLst>
+                                          <p:attrName>style.visibility</p:attrName>
+                                        </p:attrNameLst>
+                                      </p:cBhvr>
+                                      <p:to>
+                                        <p:strVal val="visible"/>
+                                      </p:to>
+                                    </p:set>
+                                  </p:childTnLst>
+                                </p:cTn>
+                              </p:par>
+                            </p:childTnLst>
+                          </p:cTn>
+                        </p:par>
+                      </p:childTnLst>
+                    </p:cTn>
+                  </p:par>
+                  <p:par>
+                    <p:cTn id="7" fill="hold" nodeType="clickPar">
+                      <p:stCondLst>
+                        <p:cond delay="indefinite"/>
+                      </p:stCondLst>
+                      <p:childTnLst>
+                        <p:par>
+                          <p:cTn id="8" fill="hold" nodeType="withGroup">
+                            <p:stCondLst>
+                              <p:cond delay="0"/>
+                            </p:stCondLst>
+                            <p:childTnLst>
+                              <p:par>
+                                <p:cTn id="9" presetID="1" presetClass="entr" presetSubtype="0" fill="hold" grpId="0" nodeType="clickEffect">
+                                  <p:stCondLst>
+                                    <p:cond delay="0"/>
+                                  </p:stCondLst>
+                                  <p:childTnLst>
+                                    <p:set>
+                                      <p:cBhvr>
+                                        <p:cTn id="10" dur="1" fill="hold">
+                                          <p:stCondLst>
+                                            <p:cond delay="0"/>
+                                          </p:stCondLst>
+                                        </p:cTn>
+                                        <p:tgtEl>
+                                          <p:spTgt spid="158733"/>
+                                        </p:tgtEl>
+                                        <p:attrNameLst>
+                                          <p:attrName>style.visibility</p:attrName>
+                                        </p:attrNameLst>
+                                      </p:cBhvr>
+                                      <p:to>
+                                        <p:strVal val="visible"/>
+                                      </p:to>
+                                    </p:set>
+                                  </p:childTnLst>
+                                </p:cTn>
+                              </p:par>
+                            </p:childTnLst>
+                          </p:cTn>
+                        </p:par>
+                      </p:childTnLst>
+                    </p:cTn>
+                  </p:par>
+                  <p:par>
+                    <p:cTn id="11" fill="hold" nodeType="clickPar">
+                      <p:stCondLst>
+                        <p:cond delay="indefinite"/>
+                      </p:stCondLst>
+                      <p:childTnLst>
+                        <p:par>
+                          <p:cTn id="12" fill="hold" nodeType="withGroup">
+                            <p:stCondLst>
+                              <p:cond delay="0"/>
+                            </p:stCondLst>
+                            <p:childTnLst>
+                              <p:par>
+                                <p:cTn id="13" presetID="1" presetClass="entr" presetSubtype="0" fill="hold" nodeType="clickEffect">
+                                  <p:stCondLst>
+                                    <p:cond delay="0"/>
+                                  </p:stCondLst>
+                                  <p:childTnLst>
+                                    <p:set>
+                                      <p:cBhvr>
+                                        <p:cTn id="14" dur="1" fill="hold">
+                                          <p:stCondLst>
+                                            <p:cond delay="0"/>
+                                          </p:stCondLst>
+                                        </p:cTn>
+                                        <p:tgtEl>
+                                          <p:spTgt spid="158738"/>
+                                        </p:tgtEl>
+                                        <p:attrNameLst>
+                                          <p:attrName>style.visibility</p:attrName>
+                                        </p:attrNameLst>
+                                      </p:cBhvr>
+                                      <p:to>
+                                        <p:strVal val="visible"/>
+                                      </p:to>
+                                    </p:set>
+                                  </p:childTnLst>
+                                </p:cTn>
+                              </p:par>
+                            </p:childTnLst>
+                          </p:cTn>
+                        </p:par>
+                      </p:childTnLst>
+                    </p:cTn>
+                  </p:par>
+                  <p:par>
+                    <p:cTn id="15" fill="hold" nodeType="clickPar">
+                      <p:stCondLst>
+                        <p:cond delay="indefinite"/>
+                      </p:stCondLst>
+                      <p:childTnLst>
+                        <p:par>
+                          <p:cTn id="16" fill="hold" nodeType="withGroup">
+                            <p:stCondLst>
+                              <p:cond delay="0"/>
+                            </p:stCondLst>
+                            <p:childTnLst>
+                              <p:par>
+                                <p:cTn id="17" presetID="1" presetClass="entr" presetSubtype="0" fill="hold" grpId="0" nodeType="clickEffect">
+                                  <p:stCondLst>
+                                    <p:cond delay="0"/>
+                                  </p:stCondLst>
+                                  <p:childTnLst>
+                                    <p:set>
+                                      <p:cBhvr>
+                                        <p:cTn id="18" dur="1" fill="hold">
+                                          <p:stCondLst>
+                                            <p:cond delay="0"/>
+                                          </p:stCondLst>
+                                        </p:cTn>
+                                        <p:tgtEl>
+                                          <p:spTgt spid="158734"/>
+                                        </p:tgtEl>
+                                        <p:attrNameLst>
+                                          <p:attrName>style.visibility</p:attrName>
+                                        </p:attrNameLst>
+                                      </p:cBhvr>
+                                      <p:to>
+                                        <p:strVal val="visible"/>
+                                      </p:to>
+                                    </p:set>
+                                  </p:childTnLst>
+                                </p:cTn>
+                              </p:par>
+                            </p:childTnLst>
+                          </p:cTn>
+                        </p:par>
+                      </p:childTnLst>
+                    </p:cTn>
+                  </p:par>
+                </p:childTnLst>
+              </p:cTn>
+              <p:prevCondLst>
+                <p:cond evt="onPrev" delay="0">
+                  <p:tgtEl>
+                    <p:sldTgt/>
+                  </p:tgtEl>
+                </p:cond>
+              </p:prevCondLst>
+              <p:nextCondLst>
+                <p:cond evt="onNext" delay="0">
+                  <p:tgtEl>
+                    <p:sldTgt/>
+                  </p:tgtEl>
+                </p:cond>
+              </p:nextCondLst>
+            </p:seq>
+          </p:childTnLst>
+        </p:cTn>
+      </p:par>
+    </p:tnLst>
+    <p:bldLst>
+      <p:bldP spid="158733" grpId="0" animBg="1"/>
+      <p:bldP spid="158734" grpId="0"/>
+    </p:bldLst>
+  </p:timing>
+</p:sld>
+</file>
+
+<file path=ppt/slides/slide4.xml><?xml version="1.0" encoding="utf-8"?>
 <p:sld xmlns:a="http://schemas.openxmlformats.org/drawingml/2006/main" xmlns:r="http://schemas.openxmlformats.org/officeDocument/2006/relationships" xmlns:p="http://schemas.openxmlformats.org/presentationml/2006/main">
   <p:cSld>
     <p:spTree>
@@ -30079,7 +31132,7 @@
             </a:extLst>
           </p:cNvPr>
           <p:cNvSpPr>
-            <a:spLocks noChangeArrowheads="1"/>
+            <a:spLocks noGrp="1" noChangeArrowheads="1"/>
           </p:cNvSpPr>
           <p:nvPr>
             <p:ph type="title"/>
@@ -31075,7 +32128,7 @@
 </p:sld>
 </file>
 
-<file path=ppt/slides/slide4.xml><?xml version="1.0" encoding="utf-8"?>
+<file path=ppt/slides/slide5.xml><?xml version="1.0" encoding="utf-8"?>
 <p:sld xmlns:a="http://schemas.openxmlformats.org/drawingml/2006/main" xmlns:r="http://schemas.openxmlformats.org/officeDocument/2006/relationships" xmlns:p="http://schemas.openxmlformats.org/presentationml/2006/main" showMasterSp="0">
   <p:cSld>
     <p:spTree>
@@ -31520,7 +32573,7 @@
 </p:sld>
 </file>
 
-<file path=ppt/slides/slide5.xml><?xml version="1.0" encoding="utf-8"?>
+<file path=ppt/slides/slide6.xml><?xml version="1.0" encoding="utf-8"?>
 <p:sld xmlns:a="http://schemas.openxmlformats.org/drawingml/2006/main" xmlns:r="http://schemas.openxmlformats.org/officeDocument/2006/relationships" xmlns:p="http://schemas.openxmlformats.org/presentationml/2006/main">
   <p:cSld>
     <p:spTree>
@@ -31652,7 +32705,7 @@
 </p:sld>
 </file>
 
-<file path=ppt/slides/slide6.xml><?xml version="1.0" encoding="utf-8"?>
+<file path=ppt/slides/slide7.xml><?xml version="1.0" encoding="utf-8"?>
 <p:sld xmlns:a="http://schemas.openxmlformats.org/drawingml/2006/main" xmlns:r="http://schemas.openxmlformats.org/officeDocument/2006/relationships" xmlns:p="http://schemas.openxmlformats.org/presentationml/2006/main">
   <p:cSld>
     <p:spTree>
@@ -31761,7 +32814,7 @@
         <p:spPr bwMode="auto">
           <a:xfrm>
             <a:off x="801688" y="5073650"/>
-            <a:ext cx="6750050" cy="946150"/>
+            <a:ext cx="3351880" cy="523220"/>
           </a:xfrm>
           <a:prstGeom prst="rect">
             <a:avLst/>
@@ -31921,7 +32974,7 @@
               <a:defRPr/>
             </a:pPr>
             <a:r>
-              <a:rPr kumimoji="0" lang="en-US" altLang="en-IT" sz="2800" b="0" i="0" u="none" strike="noStrike" kern="1200" cap="none" spc="0" normalizeH="0" baseline="0" noProof="0">
+              <a:rPr kumimoji="0" lang="en-US" altLang="en-IT" sz="2800" b="0" i="0" u="none" strike="noStrike" kern="1200" cap="none" spc="0" normalizeH="0" baseline="0" noProof="0" dirty="0" err="1">
                 <a:ln>
                   <a:noFill/>
                 </a:ln>
@@ -31935,34 +32988,15 @@
                 <a:ea typeface="+mn-ea"/>
                 <a:cs typeface="Arial"/>
               </a:rPr>
-              <a:t>tonigi/vmd_plumed</a:t>
-            </a:r>
-          </a:p>
-          <a:p>
-            <a:pPr marL="266700" marR="0" lvl="0" indent="-266700" algn="l" defTabSz="914400" rtl="0" eaLnBrk="1" fontAlgn="base" latinLnBrk="0" hangingPunct="1">
-              <a:lnSpc>
-                <a:spcPct val="100000"/>
-              </a:lnSpc>
-              <a:spcBef>
-                <a:spcPct val="0"/>
-              </a:spcBef>
-              <a:spcAft>
-                <a:spcPct val="0"/>
-              </a:spcAft>
-              <a:buClrTx/>
-              <a:buSzTx/>
-              <a:buFontTx/>
-              <a:buChar char="•"/>
-              <a:tabLst/>
-              <a:defRPr/>
-            </a:pPr>
-            <a:r>
-              <a:rPr kumimoji="0" lang="en-US" altLang="en-IT" sz="2800" b="0" i="0" u="none" strike="noStrike" kern="1200" cap="none" spc="0" normalizeH="0" baseline="0" noProof="0">
+              <a:t>tonigi</a:t>
+            </a:r>
+            <a:r>
+              <a:rPr kumimoji="0" lang="en-US" altLang="en-IT" sz="2800" b="0" i="0" u="none" strike="noStrike" kern="1200" cap="none" spc="0" normalizeH="0" baseline="0" noProof="0" dirty="0">
                 <a:ln>
                   <a:noFill/>
                 </a:ln>
                 <a:solidFill>
-                  <a:srgbClr val="CC0099"/>
+                  <a:srgbClr val="002F5F"/>
                 </a:solidFill>
                 <a:effectLst/>
                 <a:uLnTx/>
@@ -31971,8 +33005,39 @@
                 <a:ea typeface="+mn-ea"/>
                 <a:cs typeface="Arial"/>
               </a:rPr>
-              <a:t>www.multiscalelab.org/toni/PlumedCVTool</a:t>
-            </a:r>
+              <a:t>/</a:t>
+            </a:r>
+            <a:r>
+              <a:rPr kumimoji="0" lang="en-US" altLang="en-IT" sz="2800" b="0" i="0" u="none" strike="noStrike" kern="1200" cap="none" spc="0" normalizeH="0" baseline="0" noProof="0" dirty="0" err="1">
+                <a:ln>
+                  <a:noFill/>
+                </a:ln>
+                <a:solidFill>
+                  <a:srgbClr val="002F5F"/>
+                </a:solidFill>
+                <a:effectLst/>
+                <a:uLnTx/>
+                <a:uFillTx/>
+                <a:latin typeface="Calibri" panose="020F0502020204030204" pitchFamily="34" charset="0"/>
+                <a:ea typeface="+mn-ea"/>
+                <a:cs typeface="Arial"/>
+              </a:rPr>
+              <a:t>vmd_plumed</a:t>
+            </a:r>
+            <a:endParaRPr kumimoji="0" lang="en-US" altLang="en-IT" sz="2800" b="0" i="0" u="none" strike="noStrike" kern="1200" cap="none" spc="0" normalizeH="0" baseline="0" noProof="0" dirty="0">
+              <a:ln>
+                <a:noFill/>
+              </a:ln>
+              <a:solidFill>
+                <a:srgbClr val="002F5F"/>
+              </a:solidFill>
+              <a:effectLst/>
+              <a:uLnTx/>
+              <a:uFillTx/>
+              <a:latin typeface="Calibri" panose="020F0502020204030204" pitchFamily="34" charset="0"/>
+              <a:ea typeface="+mn-ea"/>
+              <a:cs typeface="Arial"/>
+            </a:endParaRPr>
           </a:p>
         </p:txBody>
       </p:sp>
@@ -32130,7 +33195,7 @@
 </p:sld>
 </file>
 
-<file path=ppt/slides/slide7.xml><?xml version="1.0" encoding="utf-8"?>
+<file path=ppt/slides/slide8.xml><?xml version="1.0" encoding="utf-8"?>
 <p:sld xmlns:a="http://schemas.openxmlformats.org/drawingml/2006/main" xmlns:r="http://schemas.openxmlformats.org/officeDocument/2006/relationships" xmlns:p="http://schemas.openxmlformats.org/presentationml/2006/main">
   <p:cSld>
     <p:spTree>
@@ -32864,7 +33929,7 @@
 </p:sld>
 </file>
 
-<file path=ppt/slides/slide8.xml><?xml version="1.0" encoding="utf-8"?>
+<file path=ppt/slides/slide9.xml><?xml version="1.0" encoding="utf-8"?>
 <p:sld xmlns:a="http://schemas.openxmlformats.org/drawingml/2006/main" xmlns:r="http://schemas.openxmlformats.org/officeDocument/2006/relationships" xmlns:p="http://schemas.openxmlformats.org/presentationml/2006/main">
   <p:cSld>
     <p:spTree>
@@ -32954,879 +34019,6 @@
   <p:clrMapOvr>
     <a:masterClrMapping/>
   </p:clrMapOvr>
-</p:sld>
-</file>
-
-<file path=ppt/slides/slide9.xml><?xml version="1.0" encoding="utf-8"?>
-<p:sld xmlns:a="http://schemas.openxmlformats.org/drawingml/2006/main" xmlns:r="http://schemas.openxmlformats.org/officeDocument/2006/relationships" xmlns:p="http://schemas.openxmlformats.org/presentationml/2006/main" showMasterSp="0">
-  <p:cSld>
-    <p:bg>
-      <p:bgPr>
-        <a:solidFill>
-          <a:schemeClr val="bg1"/>
-        </a:solidFill>
-        <a:effectLst/>
-      </p:bgPr>
-    </p:bg>
-    <p:spTree>
-      <p:nvGrpSpPr>
-        <p:cNvPr id="1" name=""/>
-        <p:cNvGrpSpPr/>
-        <p:nvPr/>
-      </p:nvGrpSpPr>
-      <p:grpSpPr>
-        <a:xfrm>
-          <a:off x="0" y="0"/>
-          <a:ext cx="0" cy="0"/>
-          <a:chOff x="0" y="0"/>
-          <a:chExt cx="0" cy="0"/>
-        </a:xfrm>
-      </p:grpSpPr>
-      <p:pic>
-        <p:nvPicPr>
-          <p:cNvPr id="176132" name="Picture 4">
-            <a:extLst>
-              <a:ext uri="{FF2B5EF4-FFF2-40B4-BE49-F238E27FC236}">
-                <a16:creationId xmlns:a16="http://schemas.microsoft.com/office/drawing/2014/main" id="{6951A6BE-3636-418E-2D12-DF31B1DA617C}"/>
-              </a:ext>
-            </a:extLst>
-          </p:cNvPr>
-          <p:cNvPicPr>
-            <a:picLocks noChangeAspect="1" noChangeArrowheads="1"/>
-          </p:cNvPicPr>
-          <p:nvPr/>
-        </p:nvPicPr>
-        <p:blipFill>
-          <a:blip r:embed="rId2">
-            <a:extLst>
-              <a:ext uri="{28A0092B-C50C-407E-A947-70E740481C1C}">
-                <a14:useLocalDpi xmlns:a14="http://schemas.microsoft.com/office/drawing/2010/main" val="0"/>
-              </a:ext>
-            </a:extLst>
-          </a:blip>
-          <a:srcRect/>
-          <a:stretch>
-            <a:fillRect/>
-          </a:stretch>
-        </p:blipFill>
-        <p:spPr bwMode="auto">
-          <a:xfrm>
-            <a:off x="0" y="304800"/>
-            <a:ext cx="9142413" cy="6197600"/>
-          </a:xfrm>
-          <a:prstGeom prst="rect">
-            <a:avLst/>
-          </a:prstGeom>
-          <a:noFill/>
-          <a:extLst>
-            <a:ext uri="{909E8E84-426E-40DD-AFC4-6F175D3DCCD1}">
-              <a14:hiddenFill xmlns:a14="http://schemas.microsoft.com/office/drawing/2010/main">
-                <a:solidFill>
-                  <a:srgbClr val="FFFFFF"/>
-                </a:solidFill>
-              </a14:hiddenFill>
-            </a:ext>
-          </a:extLst>
-        </p:spPr>
-      </p:pic>
-      <p:pic>
-        <p:nvPicPr>
-          <p:cNvPr id="176136" name="Picture 8">
-            <a:extLst>
-              <a:ext uri="{FF2B5EF4-FFF2-40B4-BE49-F238E27FC236}">
-                <a16:creationId xmlns:a16="http://schemas.microsoft.com/office/drawing/2014/main" id="{96F5BFDE-D5FF-E21C-FC9B-985334F74710}"/>
-              </a:ext>
-            </a:extLst>
-          </p:cNvPr>
-          <p:cNvPicPr>
-            <a:picLocks noChangeAspect="1" noChangeArrowheads="1"/>
-          </p:cNvPicPr>
-          <p:nvPr/>
-        </p:nvPicPr>
-        <p:blipFill>
-          <a:blip r:embed="rId3">
-            <a:extLst>
-              <a:ext uri="{28A0092B-C50C-407E-A947-70E740481C1C}">
-                <a14:useLocalDpi xmlns:a14="http://schemas.microsoft.com/office/drawing/2010/main" val="0"/>
-              </a:ext>
-            </a:extLst>
-          </a:blip>
-          <a:srcRect l="12502" t="13524" r="20819" b="45901"/>
-          <a:stretch>
-            <a:fillRect/>
-          </a:stretch>
-        </p:blipFill>
-        <p:spPr bwMode="auto">
-          <a:xfrm>
-            <a:off x="1371600" y="1295400"/>
-            <a:ext cx="6096000" cy="2514600"/>
-          </a:xfrm>
-          <a:prstGeom prst="rect">
-            <a:avLst/>
-          </a:prstGeom>
-          <a:noFill/>
-          <a:extLst>
-            <a:ext uri="{909E8E84-426E-40DD-AFC4-6F175D3DCCD1}">
-              <a14:hiddenFill xmlns:a14="http://schemas.microsoft.com/office/drawing/2010/main">
-                <a:solidFill>
-                  <a:srgbClr val="FFFFFF"/>
-                </a:solidFill>
-              </a14:hiddenFill>
-            </a:ext>
-          </a:extLst>
-        </p:spPr>
-      </p:pic>
-      <p:pic>
-        <p:nvPicPr>
-          <p:cNvPr id="176137" name="Picture 9">
-            <a:extLst>
-              <a:ext uri="{FF2B5EF4-FFF2-40B4-BE49-F238E27FC236}">
-                <a16:creationId xmlns:a16="http://schemas.microsoft.com/office/drawing/2014/main" id="{01751F12-257D-DC5F-B31E-2D42D5DF6AC6}"/>
-              </a:ext>
-            </a:extLst>
-          </p:cNvPr>
-          <p:cNvPicPr>
-            <a:picLocks noChangeAspect="1" noChangeArrowheads="1"/>
-          </p:cNvPicPr>
-          <p:nvPr/>
-        </p:nvPicPr>
-        <p:blipFill>
-          <a:blip r:embed="rId4">
-            <a:extLst>
-              <a:ext uri="{28A0092B-C50C-407E-A947-70E740481C1C}">
-                <a14:useLocalDpi xmlns:a14="http://schemas.microsoft.com/office/drawing/2010/main" val="0"/>
-              </a:ext>
-            </a:extLst>
-          </a:blip>
-          <a:srcRect t="49181" r="31656" b="26230"/>
-          <a:stretch>
-            <a:fillRect/>
-          </a:stretch>
-        </p:blipFill>
-        <p:spPr bwMode="auto">
-          <a:xfrm>
-            <a:off x="76200" y="1066800"/>
-            <a:ext cx="6248400" cy="1524000"/>
-          </a:xfrm>
-          <a:prstGeom prst="rect">
-            <a:avLst/>
-          </a:prstGeom>
-          <a:noFill/>
-          <a:extLst>
-            <a:ext uri="{909E8E84-426E-40DD-AFC4-6F175D3DCCD1}">
-              <a14:hiddenFill xmlns:a14="http://schemas.microsoft.com/office/drawing/2010/main">
-                <a:solidFill>
-                  <a:srgbClr val="FFFFFF"/>
-                </a:solidFill>
-              </a14:hiddenFill>
-            </a:ext>
-          </a:extLst>
-        </p:spPr>
-      </p:pic>
-      <p:sp>
-        <p:nvSpPr>
-          <p:cNvPr id="176138" name="Text Box 10">
-            <a:extLst>
-              <a:ext uri="{FF2B5EF4-FFF2-40B4-BE49-F238E27FC236}">
-                <a16:creationId xmlns:a16="http://schemas.microsoft.com/office/drawing/2014/main" id="{C73C45A9-FE55-B1AE-1883-705F2054A6E7}"/>
-              </a:ext>
-            </a:extLst>
-          </p:cNvPr>
-          <p:cNvSpPr txBox="1">
-            <a:spLocks noChangeArrowheads="1"/>
-          </p:cNvSpPr>
-          <p:nvPr/>
-        </p:nvSpPr>
-        <p:spPr bwMode="auto">
-          <a:xfrm>
-            <a:off x="6096000" y="2438400"/>
-            <a:ext cx="2479675" cy="519113"/>
-          </a:xfrm>
-          <a:prstGeom prst="rect">
-            <a:avLst/>
-          </a:prstGeom>
-          <a:solidFill>
-            <a:schemeClr val="bg1">
-              <a:alpha val="74001"/>
-            </a:schemeClr>
-          </a:solidFill>
-          <a:ln>
-            <a:noFill/>
-          </a:ln>
-          <a:effectLst/>
-          <a:extLst>
-            <a:ext uri="{91240B29-F687-4F45-9708-019B960494DF}">
-              <a14:hiddenLine xmlns:a14="http://schemas.microsoft.com/office/drawing/2010/main" w="38100" algn="ctr">
-                <a:solidFill>
-                  <a:srgbClr val="CC0099"/>
-                </a:solidFill>
-                <a:miter lim="800000"/>
-                <a:headEnd/>
-                <a:tailEnd/>
-              </a14:hiddenLine>
-            </a:ext>
-            <a:ext uri="{AF507438-7753-43E0-B8FC-AC1667EBCBE1}">
-              <a14:hiddenEffects xmlns:a14="http://schemas.microsoft.com/office/drawing/2010/main">
-                <a:effectLst>
-                  <a:outerShdw dist="35921" dir="2700000" algn="ctr" rotWithShape="0">
-                    <a:schemeClr val="bg2"/>
-                  </a:outerShdw>
-                </a:effectLst>
-              </a14:hiddenEffects>
-            </a:ext>
-          </a:extLst>
-        </p:spPr>
-        <p:txBody>
-          <a:bodyPr wrap="none" anchor="ctr"/>
-          <a:lstStyle/>
-          <a:p>
-            <a:pPr marL="0" marR="0" lvl="0" indent="0" algn="ctr" defTabSz="914400" rtl="0" eaLnBrk="1" fontAlgn="base" latinLnBrk="0" hangingPunct="1">
-              <a:lnSpc>
-                <a:spcPct val="100000"/>
-              </a:lnSpc>
-              <a:spcBef>
-                <a:spcPct val="0"/>
-              </a:spcBef>
-              <a:spcAft>
-                <a:spcPct val="0"/>
-              </a:spcAft>
-              <a:buClrTx/>
-              <a:buSzTx/>
-              <a:buFontTx/>
-              <a:buNone/>
-              <a:tabLst/>
-              <a:defRPr/>
-            </a:pPr>
-            <a:r>
-              <a:rPr kumimoji="0" lang="en-US" altLang="en-IT" sz="2800" b="0" i="0" u="none" strike="noStrike" kern="1200" cap="none" spc="0" normalizeH="0" baseline="0" noProof="0">
-                <a:ln>
-                  <a:noFill/>
-                </a:ln>
-                <a:solidFill>
-                  <a:srgbClr val="3333CC"/>
-                </a:solidFill>
-                <a:effectLst/>
-                <a:uLnTx/>
-                <a:uFillTx/>
-                <a:latin typeface="Calibri" panose="020F0502020204030204" pitchFamily="34" charset="0"/>
-                <a:ea typeface="+mn-ea"/>
-                <a:cs typeface="Arial" panose="020B0604020202020204" pitchFamily="34" charset="0"/>
-              </a:rPr>
-              <a:t>← Tiny tutorial</a:t>
-            </a:r>
-          </a:p>
-        </p:txBody>
-      </p:sp>
-      <p:sp>
-        <p:nvSpPr>
-          <p:cNvPr id="176139" name="AutoShape 11">
-            <a:extLst>
-              <a:ext uri="{FF2B5EF4-FFF2-40B4-BE49-F238E27FC236}">
-                <a16:creationId xmlns:a16="http://schemas.microsoft.com/office/drawing/2014/main" id="{69AAD6A1-57C1-B5AF-C823-560381E5ABF5}"/>
-              </a:ext>
-            </a:extLst>
-          </p:cNvPr>
-          <p:cNvSpPr>
-            <a:spLocks/>
-          </p:cNvSpPr>
-          <p:nvPr/>
-        </p:nvSpPr>
-        <p:spPr bwMode="auto">
-          <a:xfrm>
-            <a:off x="5969000" y="3151188"/>
-            <a:ext cx="2520950" cy="1225550"/>
-          </a:xfrm>
-          <a:prstGeom prst="borderCallout2">
-            <a:avLst>
-              <a:gd name="adj1" fmla="val 9329"/>
-              <a:gd name="adj2" fmla="val -2708"/>
-              <a:gd name="adj3" fmla="val 9329"/>
-              <a:gd name="adj4" fmla="val -13986"/>
-              <a:gd name="adj5" fmla="val -58162"/>
-              <a:gd name="adj6" fmla="val -54370"/>
-            </a:avLst>
-          </a:prstGeom>
-          <a:solidFill>
-            <a:schemeClr val="bg1">
-              <a:alpha val="70000"/>
-            </a:schemeClr>
-          </a:solidFill>
-          <a:ln w="38100" algn="ctr">
-            <a:solidFill>
-              <a:srgbClr val="33CC33"/>
-            </a:solidFill>
-            <a:miter lim="800000"/>
-            <a:headEnd/>
-            <a:tailEnd/>
-          </a:ln>
-          <a:effectLst/>
-          <a:extLst>
-            <a:ext uri="{AF507438-7753-43E0-B8FC-AC1667EBCBE1}">
-              <a14:hiddenEffects xmlns:a14="http://schemas.microsoft.com/office/drawing/2010/main">
-                <a:effectLst>
-                  <a:outerShdw dist="35921" dir="2700000" algn="ctr" rotWithShape="0">
-                    <a:schemeClr val="bg2"/>
-                  </a:outerShdw>
-                </a:effectLst>
-              </a14:hiddenEffects>
-            </a:ext>
-          </a:extLst>
-        </p:spPr>
-        <p:txBody>
-          <a:bodyPr wrap="none">
-            <a:spAutoFit/>
-          </a:bodyPr>
-          <a:lstStyle/>
-          <a:p>
-            <a:pPr marL="0" marR="0" lvl="0" indent="0" algn="l" defTabSz="914400" rtl="0" eaLnBrk="1" fontAlgn="base" latinLnBrk="0" hangingPunct="1">
-              <a:lnSpc>
-                <a:spcPct val="100000"/>
-              </a:lnSpc>
-              <a:spcBef>
-                <a:spcPct val="0"/>
-              </a:spcBef>
-              <a:spcAft>
-                <a:spcPct val="0"/>
-              </a:spcAft>
-              <a:buClrTx/>
-              <a:buSzTx/>
-              <a:buFontTx/>
-              <a:buNone/>
-              <a:tabLst/>
-              <a:defRPr/>
-            </a:pPr>
-            <a:r>
-              <a:rPr kumimoji="0" lang="en-US" altLang="en-IT" sz="2400" b="0" i="0" u="none" strike="noStrike" kern="1200" cap="none" spc="0" normalizeH="0" baseline="0" noProof="0">
-                <a:ln>
-                  <a:noFill/>
-                </a:ln>
-                <a:solidFill>
-                  <a:srgbClr val="000000"/>
-                </a:solidFill>
-                <a:effectLst/>
-                <a:uLnTx/>
-                <a:uFillTx/>
-                <a:latin typeface="Calibri" panose="020F0502020204030204" pitchFamily="34" charset="0"/>
-                <a:ea typeface="+mn-ea"/>
-                <a:cs typeface="Arial" panose="020B0604020202020204" pitchFamily="34" charset="0"/>
-              </a:rPr>
-              <a:t>Enter the PLUMED</a:t>
-            </a:r>
-            <a:br>
-              <a:rPr kumimoji="0" lang="en-US" altLang="en-IT" sz="2400" b="0" i="0" u="none" strike="noStrike" kern="1200" cap="none" spc="0" normalizeH="0" baseline="0" noProof="0">
-                <a:ln>
-                  <a:noFill/>
-                </a:ln>
-                <a:solidFill>
-                  <a:srgbClr val="000000"/>
-                </a:solidFill>
-                <a:effectLst/>
-                <a:uLnTx/>
-                <a:uFillTx/>
-                <a:latin typeface="Calibri" panose="020F0502020204030204" pitchFamily="34" charset="0"/>
-                <a:ea typeface="+mn-ea"/>
-                <a:cs typeface="Arial" panose="020B0604020202020204" pitchFamily="34" charset="0"/>
-              </a:rPr>
-            </a:br>
-            <a:r>
-              <a:rPr kumimoji="0" lang="en-US" altLang="en-IT" sz="2400" b="0" i="0" u="none" strike="noStrike" kern="1200" cap="none" spc="0" normalizeH="0" baseline="0" noProof="0">
-                <a:ln>
-                  <a:noFill/>
-                </a:ln>
-                <a:solidFill>
-                  <a:srgbClr val="000000"/>
-                </a:solidFill>
-                <a:effectLst/>
-                <a:uLnTx/>
-                <a:uFillTx/>
-                <a:latin typeface="Calibri" panose="020F0502020204030204" pitchFamily="34" charset="0"/>
-                <a:ea typeface="+mn-ea"/>
-                <a:cs typeface="Arial" panose="020B0604020202020204" pitchFamily="34" charset="0"/>
-              </a:rPr>
-              <a:t>input file as in a</a:t>
-            </a:r>
-            <a:br>
-              <a:rPr kumimoji="0" lang="en-US" altLang="en-IT" sz="2400" b="0" i="0" u="none" strike="noStrike" kern="1200" cap="none" spc="0" normalizeH="0" baseline="0" noProof="0">
-                <a:ln>
-                  <a:noFill/>
-                </a:ln>
-                <a:solidFill>
-                  <a:srgbClr val="000000"/>
-                </a:solidFill>
-                <a:effectLst/>
-                <a:uLnTx/>
-                <a:uFillTx/>
-                <a:latin typeface="Calibri" panose="020F0502020204030204" pitchFamily="34" charset="0"/>
-                <a:ea typeface="+mn-ea"/>
-                <a:cs typeface="Arial" panose="020B0604020202020204" pitchFamily="34" charset="0"/>
-              </a:rPr>
-            </a:br>
-            <a:r>
-              <a:rPr kumimoji="0" lang="en-US" altLang="en-IT" sz="2400" b="0" i="0" u="none" strike="noStrike" kern="1200" cap="none" spc="0" normalizeH="0" baseline="0" noProof="0">
-                <a:ln>
-                  <a:noFill/>
-                </a:ln>
-                <a:solidFill>
-                  <a:srgbClr val="000000"/>
-                </a:solidFill>
-                <a:effectLst/>
-                <a:uLnTx/>
-                <a:uFillTx/>
-                <a:latin typeface="Calibri" panose="020F0502020204030204" pitchFamily="34" charset="0"/>
-                <a:ea typeface="+mn-ea"/>
-                <a:cs typeface="Arial" panose="020B0604020202020204" pitchFamily="34" charset="0"/>
-              </a:rPr>
-              <a:t>text editor</a:t>
-            </a:r>
-          </a:p>
-        </p:txBody>
-      </p:sp>
-      <p:pic>
-        <p:nvPicPr>
-          <p:cNvPr id="176143" name="Picture 15">
-            <a:extLst>
-              <a:ext uri="{FF2B5EF4-FFF2-40B4-BE49-F238E27FC236}">
-                <a16:creationId xmlns:a16="http://schemas.microsoft.com/office/drawing/2014/main" id="{C82B67EA-7866-88F2-01CC-558839C4DEE2}"/>
-              </a:ext>
-            </a:extLst>
-          </p:cNvPr>
-          <p:cNvPicPr>
-            <a:picLocks noChangeAspect="1" noChangeArrowheads="1"/>
-          </p:cNvPicPr>
-          <p:nvPr/>
-        </p:nvPicPr>
-        <p:blipFill>
-          <a:blip r:embed="rId5">
-            <a:extLst>
-              <a:ext uri="{28A0092B-C50C-407E-A947-70E740481C1C}">
-                <a14:useLocalDpi xmlns:a14="http://schemas.microsoft.com/office/drawing/2010/main" val="0"/>
-              </a:ext>
-            </a:extLst>
-          </a:blip>
-          <a:srcRect/>
-          <a:stretch>
-            <a:fillRect/>
-          </a:stretch>
-        </p:blipFill>
-        <p:spPr bwMode="auto">
-          <a:xfrm>
-            <a:off x="1066800" y="2743200"/>
-            <a:ext cx="6781800" cy="2278063"/>
-          </a:xfrm>
-          <a:prstGeom prst="rect">
-            <a:avLst/>
-          </a:prstGeom>
-          <a:noFill/>
-          <a:extLst>
-            <a:ext uri="{909E8E84-426E-40DD-AFC4-6F175D3DCCD1}">
-              <a14:hiddenFill xmlns:a14="http://schemas.microsoft.com/office/drawing/2010/main">
-                <a:solidFill>
-                  <a:srgbClr val="FFFFFF"/>
-                </a:solidFill>
-              </a14:hiddenFill>
-            </a:ext>
-          </a:extLst>
-        </p:spPr>
-      </p:pic>
-      <p:sp>
-        <p:nvSpPr>
-          <p:cNvPr id="176142" name="AutoShape 14">
-            <a:extLst>
-              <a:ext uri="{FF2B5EF4-FFF2-40B4-BE49-F238E27FC236}">
-                <a16:creationId xmlns:a16="http://schemas.microsoft.com/office/drawing/2014/main" id="{201724DE-89EC-27E8-6F8E-2B3070B9BCAE}"/>
-              </a:ext>
-            </a:extLst>
-          </p:cNvPr>
-          <p:cNvSpPr>
-            <a:spLocks/>
-          </p:cNvSpPr>
-          <p:nvPr/>
-        </p:nvSpPr>
-        <p:spPr bwMode="auto">
-          <a:xfrm>
-            <a:off x="0" y="5715000"/>
-            <a:ext cx="2438400" cy="533400"/>
-          </a:xfrm>
-          <a:prstGeom prst="borderCallout2">
-            <a:avLst>
-              <a:gd name="adj1" fmla="val 21431"/>
-              <a:gd name="adj2" fmla="val 103125"/>
-              <a:gd name="adj3" fmla="val 21431"/>
-              <a:gd name="adj4" fmla="val 109051"/>
-              <a:gd name="adj5" fmla="val -223514"/>
-              <a:gd name="adj6" fmla="val 130403"/>
-            </a:avLst>
-          </a:prstGeom>
-          <a:noFill/>
-          <a:ln w="38100" algn="ctr">
-            <a:solidFill>
-              <a:schemeClr val="accent2"/>
-            </a:solidFill>
-            <a:miter lim="800000"/>
-            <a:headEnd/>
-            <a:tailEnd/>
-          </a:ln>
-          <a:effectLst/>
-          <a:extLst>
-            <a:ext uri="{909E8E84-426E-40DD-AFC4-6F175D3DCCD1}">
-              <a14:hiddenFill xmlns:a14="http://schemas.microsoft.com/office/drawing/2010/main">
-                <a:solidFill>
-                  <a:schemeClr val="accent1"/>
-                </a:solidFill>
-              </a14:hiddenFill>
-            </a:ext>
-            <a:ext uri="{AF507438-7753-43E0-B8FC-AC1667EBCBE1}">
-              <a14:hiddenEffects xmlns:a14="http://schemas.microsoft.com/office/drawing/2010/main">
-                <a:effectLst>
-                  <a:outerShdw dist="35921" dir="2700000" algn="ctr" rotWithShape="0">
-                    <a:schemeClr val="bg2"/>
-                  </a:outerShdw>
-                </a:effectLst>
-              </a14:hiddenEffects>
-            </a:ext>
-          </a:extLst>
-        </p:spPr>
-        <p:txBody>
-          <a:bodyPr wrap="none" anchor="ctr"/>
-          <a:lstStyle/>
-          <a:p>
-            <a:pPr marL="0" marR="0" lvl="0" indent="0" algn="ctr" defTabSz="914400" rtl="0" eaLnBrk="1" fontAlgn="base" latinLnBrk="0" hangingPunct="1">
-              <a:lnSpc>
-                <a:spcPct val="100000"/>
-              </a:lnSpc>
-              <a:spcBef>
-                <a:spcPct val="0"/>
-              </a:spcBef>
-              <a:spcAft>
-                <a:spcPct val="0"/>
-              </a:spcAft>
-              <a:buClrTx/>
-              <a:buSzTx/>
-              <a:buFontTx/>
-              <a:buNone/>
-              <a:tabLst/>
-              <a:defRPr/>
-            </a:pPr>
-            <a:endParaRPr kumimoji="0" lang="en-GB" sz="1800" b="0" i="0" u="none" strike="noStrike" kern="1200" cap="none" spc="0" normalizeH="0" baseline="0" noProof="0">
-              <a:ln>
-                <a:noFill/>
-              </a:ln>
-              <a:solidFill>
-                <a:srgbClr val="000000"/>
-              </a:solidFill>
-              <a:effectLst/>
-              <a:uLnTx/>
-              <a:uFillTx/>
-              <a:latin typeface="Arial" panose="020B0604020202020204" pitchFamily="34" charset="0"/>
-              <a:ea typeface="+mn-ea"/>
-              <a:cs typeface="Arial"/>
-            </a:endParaRPr>
-          </a:p>
-        </p:txBody>
-      </p:sp>
-    </p:spTree>
-  </p:cSld>
-  <p:clrMapOvr>
-    <a:masterClrMapping/>
-  </p:clrMapOvr>
-  <p:timing>
-    <p:tnLst>
-      <p:par>
-        <p:cTn id="1" dur="indefinite" restart="never" nodeType="tmRoot">
-          <p:childTnLst>
-            <p:seq concurrent="1" nextAc="seek">
-              <p:cTn id="2" dur="indefinite" nodeType="mainSeq">
-                <p:childTnLst>
-                  <p:par>
-                    <p:cTn id="3" fill="hold" nodeType="clickPar">
-                      <p:stCondLst>
-                        <p:cond delay="indefinite"/>
-                      </p:stCondLst>
-                      <p:childTnLst>
-                        <p:par>
-                          <p:cTn id="4" fill="hold" nodeType="withGroup">
-                            <p:stCondLst>
-                              <p:cond delay="0"/>
-                            </p:stCondLst>
-                            <p:childTnLst>
-                              <p:par>
-                                <p:cTn id="5" presetID="1" presetClass="entr" presetSubtype="0" fill="hold" nodeType="clickEffect">
-                                  <p:stCondLst>
-                                    <p:cond delay="0"/>
-                                  </p:stCondLst>
-                                  <p:childTnLst>
-                                    <p:set>
-                                      <p:cBhvr>
-                                        <p:cTn id="6" dur="1" fill="hold">
-                                          <p:stCondLst>
-                                            <p:cond delay="0"/>
-                                          </p:stCondLst>
-                                        </p:cTn>
-                                        <p:tgtEl>
-                                          <p:spTgt spid="176136"/>
-                                        </p:tgtEl>
-                                        <p:attrNameLst>
-                                          <p:attrName>style.visibility</p:attrName>
-                                        </p:attrNameLst>
-                                      </p:cBhvr>
-                                      <p:to>
-                                        <p:strVal val="visible"/>
-                                      </p:to>
-                                    </p:set>
-                                  </p:childTnLst>
-                                  <p:subTnLst>
-                                    <p:set>
-                                      <p:cBhvr override="childStyle">
-                                        <p:cTn dur="1" fill="hold" display="0" masterRel="nextClick" afterEffect="1"/>
-                                        <p:tgtEl>
-                                          <p:spTgt spid="176136"/>
-                                        </p:tgtEl>
-                                        <p:attrNameLst>
-                                          <p:attrName>style.visibility</p:attrName>
-                                        </p:attrNameLst>
-                                      </p:cBhvr>
-                                      <p:to>
-                                        <p:strVal val="hidden"/>
-                                      </p:to>
-                                    </p:set>
-                                  </p:subTnLst>
-                                </p:cTn>
-                              </p:par>
-                              <p:par>
-                                <p:cTn id="7" presetID="1" presetClass="entr" presetSubtype="0" fill="hold" grpId="0" nodeType="withEffect">
-                                  <p:stCondLst>
-                                    <p:cond delay="0"/>
-                                  </p:stCondLst>
-                                  <p:childTnLst>
-                                    <p:set>
-                                      <p:cBhvr>
-                                        <p:cTn id="8" dur="1" fill="hold">
-                                          <p:stCondLst>
-                                            <p:cond delay="0"/>
-                                          </p:stCondLst>
-                                        </p:cTn>
-                                        <p:tgtEl>
-                                          <p:spTgt spid="176138"/>
-                                        </p:tgtEl>
-                                        <p:attrNameLst>
-                                          <p:attrName>style.visibility</p:attrName>
-                                        </p:attrNameLst>
-                                      </p:cBhvr>
-                                      <p:to>
-                                        <p:strVal val="visible"/>
-                                      </p:to>
-                                    </p:set>
-                                  </p:childTnLst>
-                                  <p:subTnLst>
-                                    <p:set>
-                                      <p:cBhvr override="childStyle">
-                                        <p:cTn dur="1" fill="hold" display="0" masterRel="nextClick" afterEffect="1"/>
-                                        <p:tgtEl>
-                                          <p:spTgt spid="176138"/>
-                                        </p:tgtEl>
-                                        <p:attrNameLst>
-                                          <p:attrName>style.visibility</p:attrName>
-                                        </p:attrNameLst>
-                                      </p:cBhvr>
-                                      <p:to>
-                                        <p:strVal val="hidden"/>
-                                      </p:to>
-                                    </p:set>
-                                  </p:subTnLst>
-                                </p:cTn>
-                              </p:par>
-                            </p:childTnLst>
-                          </p:cTn>
-                        </p:par>
-                      </p:childTnLst>
-                    </p:cTn>
-                  </p:par>
-                  <p:par>
-                    <p:cTn id="9" fill="hold" nodeType="clickPar">
-                      <p:stCondLst>
-                        <p:cond delay="indefinite"/>
-                      </p:stCondLst>
-                      <p:childTnLst>
-                        <p:par>
-                          <p:cTn id="10" fill="hold" nodeType="withGroup">
-                            <p:stCondLst>
-                              <p:cond delay="0"/>
-                            </p:stCondLst>
-                            <p:childTnLst>
-                              <p:par>
-                                <p:cTn id="11" presetID="1" presetClass="entr" presetSubtype="0" fill="hold" nodeType="clickEffect">
-                                  <p:stCondLst>
-                                    <p:cond delay="0"/>
-                                  </p:stCondLst>
-                                  <p:childTnLst>
-                                    <p:set>
-                                      <p:cBhvr>
-                                        <p:cTn id="12" dur="1" fill="hold">
-                                          <p:stCondLst>
-                                            <p:cond delay="0"/>
-                                          </p:stCondLst>
-                                        </p:cTn>
-                                        <p:tgtEl>
-                                          <p:spTgt spid="176137"/>
-                                        </p:tgtEl>
-                                        <p:attrNameLst>
-                                          <p:attrName>style.visibility</p:attrName>
-                                        </p:attrNameLst>
-                                      </p:cBhvr>
-                                      <p:to>
-                                        <p:strVal val="visible"/>
-                                      </p:to>
-                                    </p:set>
-                                  </p:childTnLst>
-                                </p:cTn>
-                              </p:par>
-                              <p:par>
-                                <p:cTn id="13" presetID="1" presetClass="entr" presetSubtype="0" fill="hold" grpId="0" nodeType="withEffect">
-                                  <p:stCondLst>
-                                    <p:cond delay="0"/>
-                                  </p:stCondLst>
-                                  <p:childTnLst>
-                                    <p:set>
-                                      <p:cBhvr>
-                                        <p:cTn id="14" dur="1" fill="hold">
-                                          <p:stCondLst>
-                                            <p:cond delay="0"/>
-                                          </p:stCondLst>
-                                        </p:cTn>
-                                        <p:tgtEl>
-                                          <p:spTgt spid="176139"/>
-                                        </p:tgtEl>
-                                        <p:attrNameLst>
-                                          <p:attrName>style.visibility</p:attrName>
-                                        </p:attrNameLst>
-                                      </p:cBhvr>
-                                      <p:to>
-                                        <p:strVal val="visible"/>
-                                      </p:to>
-                                    </p:set>
-                                  </p:childTnLst>
-                                  <p:subTnLst>
-                                    <p:set>
-                                      <p:cBhvr override="childStyle">
-                                        <p:cTn dur="1" fill="hold" display="0" masterRel="nextClick" afterEffect="1"/>
-                                        <p:tgtEl>
-                                          <p:spTgt spid="176139"/>
-                                        </p:tgtEl>
-                                        <p:attrNameLst>
-                                          <p:attrName>style.visibility</p:attrName>
-                                        </p:attrNameLst>
-                                      </p:cBhvr>
-                                      <p:to>
-                                        <p:strVal val="hidden"/>
-                                      </p:to>
-                                    </p:set>
-                                  </p:subTnLst>
-                                </p:cTn>
-                              </p:par>
-                            </p:childTnLst>
-                          </p:cTn>
-                        </p:par>
-                      </p:childTnLst>
-                    </p:cTn>
-                  </p:par>
-                  <p:par>
-                    <p:cTn id="15" fill="hold" nodeType="clickPar">
-                      <p:stCondLst>
-                        <p:cond delay="indefinite"/>
-                      </p:stCondLst>
-                      <p:childTnLst>
-                        <p:par>
-                          <p:cTn id="16" fill="hold" nodeType="withGroup">
-                            <p:stCondLst>
-                              <p:cond delay="0"/>
-                            </p:stCondLst>
-                            <p:childTnLst>
-                              <p:par>
-                                <p:cTn id="17" presetID="1" presetClass="entr" presetSubtype="0" fill="hold" nodeType="clickEffect">
-                                  <p:stCondLst>
-                                    <p:cond delay="0"/>
-                                  </p:stCondLst>
-                                  <p:childTnLst>
-                                    <p:set>
-                                      <p:cBhvr>
-                                        <p:cTn id="18" dur="1" fill="hold">
-                                          <p:stCondLst>
-                                            <p:cond delay="0"/>
-                                          </p:stCondLst>
-                                        </p:cTn>
-                                        <p:tgtEl>
-                                          <p:spTgt spid="176142"/>
-                                        </p:tgtEl>
-                                        <p:attrNameLst>
-                                          <p:attrName>style.visibility</p:attrName>
-                                        </p:attrNameLst>
-                                      </p:cBhvr>
-                                      <p:to>
-                                        <p:strVal val="visible"/>
-                                      </p:to>
-                                    </p:set>
-                                  </p:childTnLst>
-                                </p:cTn>
-                              </p:par>
-                              <p:par>
-                                <p:cTn id="19" presetID="1" presetClass="entr" presetSubtype="0" fill="hold" nodeType="withEffect">
-                                  <p:stCondLst>
-                                    <p:cond delay="0"/>
-                                  </p:stCondLst>
-                                  <p:childTnLst>
-                                    <p:set>
-                                      <p:cBhvr>
-                                        <p:cTn id="20" dur="1" fill="hold">
-                                          <p:stCondLst>
-                                            <p:cond delay="0"/>
-                                          </p:stCondLst>
-                                        </p:cTn>
-                                        <p:tgtEl>
-                                          <p:spTgt spid="176143"/>
-                                        </p:tgtEl>
-                                        <p:attrNameLst>
-                                          <p:attrName>style.visibility</p:attrName>
-                                        </p:attrNameLst>
-                                      </p:cBhvr>
-                                      <p:to>
-                                        <p:strVal val="visible"/>
-                                      </p:to>
-                                    </p:set>
-                                  </p:childTnLst>
-                                </p:cTn>
-                              </p:par>
-                            </p:childTnLst>
-                          </p:cTn>
-                        </p:par>
-                      </p:childTnLst>
-                    </p:cTn>
-                  </p:par>
-                </p:childTnLst>
-              </p:cTn>
-              <p:prevCondLst>
-                <p:cond evt="onPrev" delay="0">
-                  <p:tgtEl>
-                    <p:sldTgt/>
-                  </p:tgtEl>
-                </p:cond>
-              </p:prevCondLst>
-              <p:nextCondLst>
-                <p:cond evt="onNext" delay="0">
-                  <p:tgtEl>
-                    <p:sldTgt/>
-                  </p:tgtEl>
-                </p:cond>
-              </p:nextCondLst>
-            </p:seq>
-          </p:childTnLst>
-        </p:cTn>
-      </p:par>
-    </p:tnLst>
-    <p:bldLst>
-      <p:bldP spid="176138" grpId="0" animBg="1"/>
-      <p:bldP spid="176139" grpId="0" animBg="1"/>
-    </p:bldLst>
-  </p:timing>
 </p:sld>
 </file>
 
